--- a/Document/Phần mềm bán lẻ.pptx
+++ b/Document/Phần mềm bán lẻ.pptx
@@ -122,7 +122,7 @@
   </p:defaultTextStyle>
   <p:extLst>
     <p:ext uri="{EFAFB233-063F-42B5-8137-9DF3F51BA10A}">
-      <p15:sldGuideLst xmlns:p15="http://schemas.microsoft.com/office/powerpoint/2012/main">
+      <p15:sldGuideLst xmlns:p15="http://schemas.microsoft.com/office/powerpoint/2012/main" xmlns="">
         <p15:guide id="2" pos="3840" userDrawn="1">
           <p15:clr>
             <a:srgbClr val="A4A3A4"/>
@@ -141,7 +141,7 @@
       </p15:sldGuideLst>
     </p:ext>
     <p:ext uri="{2D200454-40CA-4A62-9FC3-DE9A4176ACB9}">
-      <p15:notesGuideLst xmlns:p15="http://schemas.microsoft.com/office/powerpoint/2012/main"/>
+      <p15:notesGuideLst xmlns:p15="http://schemas.microsoft.com/office/powerpoint/2012/main" xmlns=""/>
     </p:ext>
   </p:extLst>
 </p:presentation>
@@ -174,7 +174,7 @@
           <p:cNvPr id="2" name="Header Placeholder 1">
             <a:extLst>
               <a:ext uri="{FF2B5EF4-FFF2-40B4-BE49-F238E27FC236}">
-                <a16:creationId xmlns:a16="http://schemas.microsoft.com/office/drawing/2014/main" id="{E8BEDA40-91A9-49DC-B402-0EBE674AAEA5}"/>
+                <a16:creationId xmlns:a16="http://schemas.microsoft.com/office/drawing/2014/main" xmlns="" id="{E8BEDA40-91A9-49DC-B402-0EBE674AAEA5}"/>
               </a:ext>
             </a:extLst>
           </p:cNvPr>
@@ -211,7 +211,7 @@
           <p:cNvPr id="3" name="Date Placeholder 2">
             <a:extLst>
               <a:ext uri="{FF2B5EF4-FFF2-40B4-BE49-F238E27FC236}">
-                <a16:creationId xmlns:a16="http://schemas.microsoft.com/office/drawing/2014/main" id="{E8CBB508-5589-42E7-A433-D119AC0FFB77}"/>
+                <a16:creationId xmlns:a16="http://schemas.microsoft.com/office/drawing/2014/main" xmlns="" id="{E8CBB508-5589-42E7-A433-D119AC0FFB77}"/>
               </a:ext>
             </a:extLst>
           </p:cNvPr>
@@ -241,7 +241,7 @@
           <a:p>
             <a:fld id="{872BFC85-49E4-447A-A7E3-16153CB2FE2A}" type="datetimeFigureOut">
               <a:rPr lang="en-IN" smtClean="0"/>
-              <a:t>27-07-2018</a:t>
+              <a:t>03-12-2018</a:t>
             </a:fld>
             <a:endParaRPr lang="en-IN" dirty="0"/>
           </a:p>
@@ -252,7 +252,7 @@
           <p:cNvPr id="4" name="Footer Placeholder 3">
             <a:extLst>
               <a:ext uri="{FF2B5EF4-FFF2-40B4-BE49-F238E27FC236}">
-                <a16:creationId xmlns:a16="http://schemas.microsoft.com/office/drawing/2014/main" id="{E9232ABA-B33A-4B3B-8412-C1773FBF3DB6}"/>
+                <a16:creationId xmlns:a16="http://schemas.microsoft.com/office/drawing/2014/main" xmlns="" id="{E9232ABA-B33A-4B3B-8412-C1773FBF3DB6}"/>
               </a:ext>
             </a:extLst>
           </p:cNvPr>
@@ -289,7 +289,7 @@
           <p:cNvPr id="5" name="Slide Number Placeholder 4">
             <a:extLst>
               <a:ext uri="{FF2B5EF4-FFF2-40B4-BE49-F238E27FC236}">
-                <a16:creationId xmlns:a16="http://schemas.microsoft.com/office/drawing/2014/main" id="{BAB1832E-3B48-42CB-80A7-CD8E48D52DDC}"/>
+                <a16:creationId xmlns:a16="http://schemas.microsoft.com/office/drawing/2014/main" xmlns="" id="{BAB1832E-3B48-42CB-80A7-CD8E48D52DDC}"/>
               </a:ext>
             </a:extLst>
           </p:cNvPr>
@@ -418,7 +418,7 @@
           <a:p>
             <a:fld id="{1071B50E-4C60-4F9E-B773-52059170945B}" type="datetimeFigureOut">
               <a:rPr lang="en-IN" smtClean="0"/>
-              <a:t>27-07-2018</a:t>
+              <a:t>03-12-2018</a:t>
             </a:fld>
             <a:endParaRPr lang="en-IN" dirty="0"/>
           </a:p>
@@ -708,7 +708,7 @@
           <p:cNvPr id="11" name="Right Triangle 10">
             <a:extLst>
               <a:ext uri="{FF2B5EF4-FFF2-40B4-BE49-F238E27FC236}">
-                <a16:creationId xmlns:a16="http://schemas.microsoft.com/office/drawing/2014/main" id="{037924D2-2AB4-4BE1-9687-836615C72DFC}"/>
+                <a16:creationId xmlns:a16="http://schemas.microsoft.com/office/drawing/2014/main" xmlns="" id="{037924D2-2AB4-4BE1-9687-836615C72DFC}"/>
               </a:ext>
             </a:extLst>
           </p:cNvPr>
@@ -760,7 +760,7 @@
           <p:cNvPr id="16" name="Straight Connector 15">
             <a:extLst>
               <a:ext uri="{FF2B5EF4-FFF2-40B4-BE49-F238E27FC236}">
-                <a16:creationId xmlns:a16="http://schemas.microsoft.com/office/drawing/2014/main" id="{A93BC534-BFA1-4292-899F-03AC711BF7C5}"/>
+                <a16:creationId xmlns:a16="http://schemas.microsoft.com/office/drawing/2014/main" xmlns="" id="{A93BC534-BFA1-4292-899F-03AC711BF7C5}"/>
               </a:ext>
             </a:extLst>
           </p:cNvPr>
@@ -805,7 +805,7 @@
           <p:cNvPr id="25" name="Picture Placeholder 24">
             <a:extLst>
               <a:ext uri="{FF2B5EF4-FFF2-40B4-BE49-F238E27FC236}">
-                <a16:creationId xmlns:a16="http://schemas.microsoft.com/office/drawing/2014/main" id="{73B47EE6-EDE6-4881-B456-B37D9C1ADE38}"/>
+                <a16:creationId xmlns:a16="http://schemas.microsoft.com/office/drawing/2014/main" xmlns="" id="{73B47EE6-EDE6-4881-B456-B37D9C1ADE38}"/>
               </a:ext>
             </a:extLst>
           </p:cNvPr>
@@ -912,7 +912,7 @@
           <p:cNvPr id="18" name="Straight Connector 17">
             <a:extLst>
               <a:ext uri="{FF2B5EF4-FFF2-40B4-BE49-F238E27FC236}">
-                <a16:creationId xmlns:a16="http://schemas.microsoft.com/office/drawing/2014/main" id="{EBEE4DB5-5DEF-4DDB-9764-FD834B9DCAEC}"/>
+                <a16:creationId xmlns:a16="http://schemas.microsoft.com/office/drawing/2014/main" xmlns="" id="{EBEE4DB5-5DEF-4DDB-9764-FD834B9DCAEC}"/>
               </a:ext>
             </a:extLst>
           </p:cNvPr>
@@ -955,7 +955,7 @@
           <p:cNvPr id="2" name="Title 1" title="Title">
             <a:extLst>
               <a:ext uri="{FF2B5EF4-FFF2-40B4-BE49-F238E27FC236}">
-                <a16:creationId xmlns:a16="http://schemas.microsoft.com/office/drawing/2014/main" id="{A648E0EA-49ED-4F2D-A107-8FCE6301FC88}"/>
+                <a16:creationId xmlns:a16="http://schemas.microsoft.com/office/drawing/2014/main" xmlns="" id="{A648E0EA-49ED-4F2D-A107-8FCE6301FC88}"/>
               </a:ext>
             </a:extLst>
           </p:cNvPr>
@@ -1002,7 +1002,7 @@
           <p:cNvPr id="3" name="Subtitle 2" title="Subtitle">
             <a:extLst>
               <a:ext uri="{FF2B5EF4-FFF2-40B4-BE49-F238E27FC236}">
-                <a16:creationId xmlns:a16="http://schemas.microsoft.com/office/drawing/2014/main" id="{06317687-D49E-41F7-A330-C78C728F0D12}"/>
+                <a16:creationId xmlns:a16="http://schemas.microsoft.com/office/drawing/2014/main" xmlns="" id="{06317687-D49E-41F7-A330-C78C728F0D12}"/>
               </a:ext>
             </a:extLst>
           </p:cNvPr>
@@ -1082,7 +1082,7 @@
           <p:cNvPr id="9" name="Straight Connector 8">
             <a:extLst>
               <a:ext uri="{FF2B5EF4-FFF2-40B4-BE49-F238E27FC236}">
-                <a16:creationId xmlns:a16="http://schemas.microsoft.com/office/drawing/2014/main" id="{162849C0-AA0D-4E1A-B4B6-E6A5917AC0A5}"/>
+                <a16:creationId xmlns:a16="http://schemas.microsoft.com/office/drawing/2014/main" xmlns="" id="{162849C0-AA0D-4E1A-B4B6-E6A5917AC0A5}"/>
               </a:ext>
             </a:extLst>
           </p:cNvPr>
@@ -1132,7 +1132,7 @@
   </p:clrMapOvr>
   <p:extLst mod="1">
     <p:ext uri="{DCECCB84-F9BA-43D5-87BE-67443E8EF086}">
-      <p15:sldGuideLst xmlns:p15="http://schemas.microsoft.com/office/powerpoint/2012/main">
+      <p15:sldGuideLst xmlns:p15="http://schemas.microsoft.com/office/powerpoint/2012/main" xmlns="">
         <p15:guide id="1" orient="horz" pos="2160" userDrawn="1">
           <p15:clr>
             <a:srgbClr val="FBAE40"/>
@@ -1196,7 +1196,7 @@
           <p:cNvPr id="11" name="Right Triangle 10">
             <a:extLst>
               <a:ext uri="{FF2B5EF4-FFF2-40B4-BE49-F238E27FC236}">
-                <a16:creationId xmlns:a16="http://schemas.microsoft.com/office/drawing/2014/main" id="{037924D2-2AB4-4BE1-9687-836615C72DFC}"/>
+                <a16:creationId xmlns:a16="http://schemas.microsoft.com/office/drawing/2014/main" xmlns="" id="{037924D2-2AB4-4BE1-9687-836615C72DFC}"/>
               </a:ext>
             </a:extLst>
           </p:cNvPr>
@@ -1248,7 +1248,7 @@
           <p:cNvPr id="16" name="Straight Connector 15">
             <a:extLst>
               <a:ext uri="{FF2B5EF4-FFF2-40B4-BE49-F238E27FC236}">
-                <a16:creationId xmlns:a16="http://schemas.microsoft.com/office/drawing/2014/main" id="{A93BC534-BFA1-4292-899F-03AC711BF7C5}"/>
+                <a16:creationId xmlns:a16="http://schemas.microsoft.com/office/drawing/2014/main" xmlns="" id="{A93BC534-BFA1-4292-899F-03AC711BF7C5}"/>
               </a:ext>
             </a:extLst>
           </p:cNvPr>
@@ -1293,7 +1293,7 @@
           <p:cNvPr id="18" name="Straight Connector 17">
             <a:extLst>
               <a:ext uri="{FF2B5EF4-FFF2-40B4-BE49-F238E27FC236}">
-                <a16:creationId xmlns:a16="http://schemas.microsoft.com/office/drawing/2014/main" id="{EBEE4DB5-5DEF-4DDB-9764-FD834B9DCAEC}"/>
+                <a16:creationId xmlns:a16="http://schemas.microsoft.com/office/drawing/2014/main" xmlns="" id="{EBEE4DB5-5DEF-4DDB-9764-FD834B9DCAEC}"/>
               </a:ext>
             </a:extLst>
           </p:cNvPr>
@@ -1336,7 +1336,7 @@
           <p:cNvPr id="2" name="Title 1" title="Title">
             <a:extLst>
               <a:ext uri="{FF2B5EF4-FFF2-40B4-BE49-F238E27FC236}">
-                <a16:creationId xmlns:a16="http://schemas.microsoft.com/office/drawing/2014/main" id="{A648E0EA-49ED-4F2D-A107-8FCE6301FC88}"/>
+                <a16:creationId xmlns:a16="http://schemas.microsoft.com/office/drawing/2014/main" xmlns="" id="{A648E0EA-49ED-4F2D-A107-8FCE6301FC88}"/>
               </a:ext>
             </a:extLst>
           </p:cNvPr>
@@ -1383,7 +1383,7 @@
           <p:cNvPr id="3" name="Subtitle 2" title="Subtitle">
             <a:extLst>
               <a:ext uri="{FF2B5EF4-FFF2-40B4-BE49-F238E27FC236}">
-                <a16:creationId xmlns:a16="http://schemas.microsoft.com/office/drawing/2014/main" id="{06317687-D49E-41F7-A330-C78C728F0D12}"/>
+                <a16:creationId xmlns:a16="http://schemas.microsoft.com/office/drawing/2014/main" xmlns="" id="{06317687-D49E-41F7-A330-C78C728F0D12}"/>
               </a:ext>
             </a:extLst>
           </p:cNvPr>
@@ -1463,7 +1463,7 @@
           <p:cNvPr id="9" name="Straight Connector 8">
             <a:extLst>
               <a:ext uri="{FF2B5EF4-FFF2-40B4-BE49-F238E27FC236}">
-                <a16:creationId xmlns:a16="http://schemas.microsoft.com/office/drawing/2014/main" id="{162849C0-AA0D-4E1A-B4B6-E6A5917AC0A5}"/>
+                <a16:creationId xmlns:a16="http://schemas.microsoft.com/office/drawing/2014/main" xmlns="" id="{162849C0-AA0D-4E1A-B4B6-E6A5917AC0A5}"/>
               </a:ext>
             </a:extLst>
           </p:cNvPr>
@@ -1513,7 +1513,7 @@
   </p:clrMapOvr>
   <p:extLst mod="1">
     <p:ext uri="{DCECCB84-F9BA-43D5-87BE-67443E8EF086}">
-      <p15:sldGuideLst xmlns:p15="http://schemas.microsoft.com/office/powerpoint/2012/main">
+      <p15:sldGuideLst xmlns:p15="http://schemas.microsoft.com/office/powerpoint/2012/main" xmlns="">
         <p15:guide id="1" orient="horz" pos="2160">
           <p15:clr>
             <a:srgbClr val="FBAE40"/>
@@ -1577,7 +1577,7 @@
           <p:cNvPr id="19" name="Right Triangle 18">
             <a:extLst>
               <a:ext uri="{FF2B5EF4-FFF2-40B4-BE49-F238E27FC236}">
-                <a16:creationId xmlns:a16="http://schemas.microsoft.com/office/drawing/2014/main" id="{71D0E8AA-902F-440D-9C55-2A391C22396A}"/>
+                <a16:creationId xmlns:a16="http://schemas.microsoft.com/office/drawing/2014/main" xmlns="" id="{71D0E8AA-902F-440D-9C55-2A391C22396A}"/>
               </a:ext>
             </a:extLst>
           </p:cNvPr>
@@ -1629,7 +1629,7 @@
           <p:cNvPr id="17" name="Parallelogram 16">
             <a:extLst>
               <a:ext uri="{FF2B5EF4-FFF2-40B4-BE49-F238E27FC236}">
-                <a16:creationId xmlns:a16="http://schemas.microsoft.com/office/drawing/2014/main" id="{7D937721-835D-4D84-94A3-6C79D4639514}"/>
+                <a16:creationId xmlns:a16="http://schemas.microsoft.com/office/drawing/2014/main" xmlns="" id="{7D937721-835D-4D84-94A3-6C79D4639514}"/>
               </a:ext>
             </a:extLst>
           </p:cNvPr>
@@ -1683,7 +1683,7 @@
           <p:cNvPr id="18" name="Straight Connector 17">
             <a:extLst>
               <a:ext uri="{FF2B5EF4-FFF2-40B4-BE49-F238E27FC236}">
-                <a16:creationId xmlns:a16="http://schemas.microsoft.com/office/drawing/2014/main" id="{732BB30B-8262-4715-998F-AAF6A81ADFD3}"/>
+                <a16:creationId xmlns:a16="http://schemas.microsoft.com/office/drawing/2014/main" xmlns="" id="{732BB30B-8262-4715-998F-AAF6A81ADFD3}"/>
               </a:ext>
             </a:extLst>
           </p:cNvPr>
@@ -1728,7 +1728,7 @@
           <p:cNvPr id="100" name="Title 1" title="Title">
             <a:extLst>
               <a:ext uri="{FF2B5EF4-FFF2-40B4-BE49-F238E27FC236}">
-                <a16:creationId xmlns:a16="http://schemas.microsoft.com/office/drawing/2014/main" id="{4D7EF399-DAA5-44EC-B712-79C755FE84CB}"/>
+                <a16:creationId xmlns:a16="http://schemas.microsoft.com/office/drawing/2014/main" xmlns="" id="{4D7EF399-DAA5-44EC-B712-79C755FE84CB}"/>
               </a:ext>
             </a:extLst>
           </p:cNvPr>
@@ -1777,7 +1777,7 @@
           <p:cNvPr id="101" name="Text Placeholder 2" title="Subtitle">
             <a:extLst>
               <a:ext uri="{FF2B5EF4-FFF2-40B4-BE49-F238E27FC236}">
-                <a16:creationId xmlns:a16="http://schemas.microsoft.com/office/drawing/2014/main" id="{26D13BFA-61B0-402F-8611-02D3DFDBEBCB}"/>
+                <a16:creationId xmlns:a16="http://schemas.microsoft.com/office/drawing/2014/main" xmlns="" id="{26D13BFA-61B0-402F-8611-02D3DFDBEBCB}"/>
               </a:ext>
             </a:extLst>
           </p:cNvPr>
@@ -1907,7 +1907,7 @@
           <p:cNvPr id="21" name="Straight Connector 20">
             <a:extLst>
               <a:ext uri="{FF2B5EF4-FFF2-40B4-BE49-F238E27FC236}">
-                <a16:creationId xmlns:a16="http://schemas.microsoft.com/office/drawing/2014/main" id="{DA0A0C24-D997-4E78-951F-AFB51C70EFCC}"/>
+                <a16:creationId xmlns:a16="http://schemas.microsoft.com/office/drawing/2014/main" xmlns="" id="{DA0A0C24-D997-4E78-951F-AFB51C70EFCC}"/>
               </a:ext>
             </a:extLst>
           </p:cNvPr>
@@ -1950,7 +1950,7 @@
           <p:cNvPr id="25" name="Parallelogram 24">
             <a:extLst>
               <a:ext uri="{FF2B5EF4-FFF2-40B4-BE49-F238E27FC236}">
-                <a16:creationId xmlns:a16="http://schemas.microsoft.com/office/drawing/2014/main" id="{E123A0CF-50D6-46EC-8BF6-43E38AFCD588}"/>
+                <a16:creationId xmlns:a16="http://schemas.microsoft.com/office/drawing/2014/main" xmlns="" id="{E123A0CF-50D6-46EC-8BF6-43E38AFCD588}"/>
               </a:ext>
             </a:extLst>
           </p:cNvPr>
@@ -2009,7 +2009,7 @@
           <p:cNvPr id="26" name="Straight Connector 25">
             <a:extLst>
               <a:ext uri="{FF2B5EF4-FFF2-40B4-BE49-F238E27FC236}">
-                <a16:creationId xmlns:a16="http://schemas.microsoft.com/office/drawing/2014/main" id="{2B2F1D2E-B631-4CB1-9448-2B50F8C46316}"/>
+                <a16:creationId xmlns:a16="http://schemas.microsoft.com/office/drawing/2014/main" xmlns="" id="{2B2F1D2E-B631-4CB1-9448-2B50F8C46316}"/>
               </a:ext>
             </a:extLst>
           </p:cNvPr>
@@ -2054,7 +2054,7 @@
           <p:cNvPr id="16" name="Straight Connector 15">
             <a:extLst>
               <a:ext uri="{FF2B5EF4-FFF2-40B4-BE49-F238E27FC236}">
-                <a16:creationId xmlns:a16="http://schemas.microsoft.com/office/drawing/2014/main" id="{5CF69447-82AD-475F-A3AE-3D7FF61DBFE2}"/>
+                <a16:creationId xmlns:a16="http://schemas.microsoft.com/office/drawing/2014/main" xmlns="" id="{5CF69447-82AD-475F-A3AE-3D7FF61DBFE2}"/>
               </a:ext>
             </a:extLst>
           </p:cNvPr>
@@ -2097,7 +2097,7 @@
           <p:cNvPr id="24" name="Parallelogram 23">
             <a:extLst>
               <a:ext uri="{FF2B5EF4-FFF2-40B4-BE49-F238E27FC236}">
-                <a16:creationId xmlns:a16="http://schemas.microsoft.com/office/drawing/2014/main" id="{FC8C82F3-94EE-4B4F-A01D-993A41BC00B1}"/>
+                <a16:creationId xmlns:a16="http://schemas.microsoft.com/office/drawing/2014/main" xmlns="" id="{FC8C82F3-94EE-4B4F-A01D-993A41BC00B1}"/>
               </a:ext>
             </a:extLst>
           </p:cNvPr>
@@ -2160,7 +2160,7 @@
   </p:clrMapOvr>
   <p:extLst mod="1">
     <p:ext uri="{DCECCB84-F9BA-43D5-87BE-67443E8EF086}">
-      <p15:sldGuideLst xmlns:p15="http://schemas.microsoft.com/office/powerpoint/2012/main">
+      <p15:sldGuideLst xmlns:p15="http://schemas.microsoft.com/office/powerpoint/2012/main" xmlns="">
         <p15:guide id="1" orient="horz" pos="2183">
           <p15:clr>
             <a:srgbClr val="FBAE40"/>
@@ -2219,7 +2219,7 @@
           <p:cNvPr id="35" name="Right Triangle 34">
             <a:extLst>
               <a:ext uri="{FF2B5EF4-FFF2-40B4-BE49-F238E27FC236}">
-                <a16:creationId xmlns:a16="http://schemas.microsoft.com/office/drawing/2014/main" id="{805F1696-7D6B-4055-94C3-E4C179F63596}"/>
+                <a16:creationId xmlns:a16="http://schemas.microsoft.com/office/drawing/2014/main" xmlns="" id="{805F1696-7D6B-4055-94C3-E4C179F63596}"/>
               </a:ext>
             </a:extLst>
           </p:cNvPr>
@@ -2271,7 +2271,7 @@
           <p:cNvPr id="3" name="Content Placeholder 2" title="Bullet Points">
             <a:extLst>
               <a:ext uri="{FF2B5EF4-FFF2-40B4-BE49-F238E27FC236}">
-                <a16:creationId xmlns:a16="http://schemas.microsoft.com/office/drawing/2014/main" id="{BFD7EA17-BE66-4636-9684-F93562587911}"/>
+                <a16:creationId xmlns:a16="http://schemas.microsoft.com/office/drawing/2014/main" xmlns="" id="{BFD7EA17-BE66-4636-9684-F93562587911}"/>
               </a:ext>
             </a:extLst>
           </p:cNvPr>
@@ -2390,7 +2390,7 @@
           <p:cNvPr id="25" name="Parallelogram 24">
             <a:extLst>
               <a:ext uri="{FF2B5EF4-FFF2-40B4-BE49-F238E27FC236}">
-                <a16:creationId xmlns:a16="http://schemas.microsoft.com/office/drawing/2014/main" id="{18C08F43-D42B-4CF1-912F-BC83D72AB415}"/>
+                <a16:creationId xmlns:a16="http://schemas.microsoft.com/office/drawing/2014/main" xmlns="" id="{18C08F43-D42B-4CF1-912F-BC83D72AB415}"/>
               </a:ext>
             </a:extLst>
           </p:cNvPr>
@@ -2449,7 +2449,7 @@
           <p:cNvPr id="34" name="Straight Connector 33">
             <a:extLst>
               <a:ext uri="{FF2B5EF4-FFF2-40B4-BE49-F238E27FC236}">
-                <a16:creationId xmlns:a16="http://schemas.microsoft.com/office/drawing/2014/main" id="{1411C731-2333-41B0-927A-0A48EEC79964}"/>
+                <a16:creationId xmlns:a16="http://schemas.microsoft.com/office/drawing/2014/main" xmlns="" id="{1411C731-2333-41B0-927A-0A48EEC79964}"/>
               </a:ext>
             </a:extLst>
           </p:cNvPr>
@@ -2492,7 +2492,7 @@
           <p:cNvPr id="19" name="Title 1" title="Title ">
             <a:extLst>
               <a:ext uri="{FF2B5EF4-FFF2-40B4-BE49-F238E27FC236}">
-                <a16:creationId xmlns:a16="http://schemas.microsoft.com/office/drawing/2014/main" id="{2DB9D671-9FC8-4306-96B7-D9D585694B83}"/>
+                <a16:creationId xmlns:a16="http://schemas.microsoft.com/office/drawing/2014/main" xmlns="" id="{2DB9D671-9FC8-4306-96B7-D9D585694B83}"/>
               </a:ext>
             </a:extLst>
           </p:cNvPr>
@@ -2546,7 +2546,7 @@
           <p:cNvPr id="2" name="Footer Placeholder 1">
             <a:extLst>
               <a:ext uri="{FF2B5EF4-FFF2-40B4-BE49-F238E27FC236}">
-                <a16:creationId xmlns:a16="http://schemas.microsoft.com/office/drawing/2014/main" id="{6E55A0B9-F639-8643-9C4D-B93B8EE21A79}"/>
+                <a16:creationId xmlns:a16="http://schemas.microsoft.com/office/drawing/2014/main" xmlns="" id="{6E55A0B9-F639-8643-9C4D-B93B8EE21A79}"/>
               </a:ext>
             </a:extLst>
           </p:cNvPr>
@@ -2574,7 +2574,7 @@
           <p:cNvPr id="4" name="Slide Number Placeholder 3">
             <a:extLst>
               <a:ext uri="{FF2B5EF4-FFF2-40B4-BE49-F238E27FC236}">
-                <a16:creationId xmlns:a16="http://schemas.microsoft.com/office/drawing/2014/main" id="{D0C29282-8AC7-494D-9A8E-A26C7F69948F}"/>
+                <a16:creationId xmlns:a16="http://schemas.microsoft.com/office/drawing/2014/main" xmlns="" id="{D0C29282-8AC7-494D-9A8E-A26C7F69948F}"/>
               </a:ext>
             </a:extLst>
           </p:cNvPr>
@@ -2603,7 +2603,7 @@
           <p:cNvPr id="6" name="Picture 5">
             <a:extLst>
               <a:ext uri="{FF2B5EF4-FFF2-40B4-BE49-F238E27FC236}">
-                <a16:creationId xmlns:a16="http://schemas.microsoft.com/office/drawing/2014/main" id="{810423BC-0EEF-48A6-ACD7-83B7ED43E005}"/>
+                <a16:creationId xmlns:a16="http://schemas.microsoft.com/office/drawing/2014/main" xmlns="" id="{810423BC-0EEF-48A6-ACD7-83B7ED43E005}"/>
               </a:ext>
             </a:extLst>
           </p:cNvPr>
@@ -2640,7 +2640,7 @@
   </p:clrMapOvr>
   <p:extLst mod="1">
     <p:ext uri="{DCECCB84-F9BA-43D5-87BE-67443E8EF086}">
-      <p15:sldGuideLst xmlns:p15="http://schemas.microsoft.com/office/powerpoint/2012/main">
+      <p15:sldGuideLst xmlns:p15="http://schemas.microsoft.com/office/powerpoint/2012/main" xmlns="">
         <p15:guide id="1" orient="horz" pos="142">
           <p15:clr>
             <a:srgbClr val="FBAE40"/>
@@ -2684,7 +2684,7 @@
           <p:cNvPr id="22" name="Straight Connector 21">
             <a:extLst>
               <a:ext uri="{FF2B5EF4-FFF2-40B4-BE49-F238E27FC236}">
-                <a16:creationId xmlns:a16="http://schemas.microsoft.com/office/drawing/2014/main" id="{01AF1CF9-9F46-4541-8FF1-B9C53244EE1A}"/>
+                <a16:creationId xmlns:a16="http://schemas.microsoft.com/office/drawing/2014/main" xmlns="" id="{01AF1CF9-9F46-4541-8FF1-B9C53244EE1A}"/>
               </a:ext>
             </a:extLst>
           </p:cNvPr>
@@ -2727,7 +2727,7 @@
           <p:cNvPr id="23" name="Group 22">
             <a:extLst>
               <a:ext uri="{FF2B5EF4-FFF2-40B4-BE49-F238E27FC236}">
-                <a16:creationId xmlns:a16="http://schemas.microsoft.com/office/drawing/2014/main" id="{AB0E1BA4-80FE-4826-BA2F-083C3A5BB7FA}"/>
+                <a16:creationId xmlns:a16="http://schemas.microsoft.com/office/drawing/2014/main" xmlns="" id="{AB0E1BA4-80FE-4826-BA2F-083C3A5BB7FA}"/>
               </a:ext>
             </a:extLst>
           </p:cNvPr>
@@ -2747,7 +2747,7 @@
             <p:cNvPr id="26" name="Diagonal Stripe 25">
               <a:extLst>
                 <a:ext uri="{FF2B5EF4-FFF2-40B4-BE49-F238E27FC236}">
-                  <a16:creationId xmlns:a16="http://schemas.microsoft.com/office/drawing/2014/main" id="{0697993E-CD44-40B9-805C-77BC608618A7}"/>
+                  <a16:creationId xmlns:a16="http://schemas.microsoft.com/office/drawing/2014/main" xmlns="" id="{0697993E-CD44-40B9-805C-77BC608618A7}"/>
                 </a:ext>
               </a:extLst>
             </p:cNvPr>
@@ -2805,7 +2805,7 @@
             <p:cNvPr id="28" name="Straight Connector 27">
               <a:extLst>
                 <a:ext uri="{FF2B5EF4-FFF2-40B4-BE49-F238E27FC236}">
-                  <a16:creationId xmlns:a16="http://schemas.microsoft.com/office/drawing/2014/main" id="{DDBD869A-51AE-4AC9-A3E0-38E8C732B1E8}"/>
+                  <a16:creationId xmlns:a16="http://schemas.microsoft.com/office/drawing/2014/main" xmlns="" id="{DDBD869A-51AE-4AC9-A3E0-38E8C732B1E8}"/>
                 </a:ext>
               </a:extLst>
             </p:cNvPr>
@@ -2850,7 +2850,7 @@
             <p:cNvPr id="30" name="Parallelogram 29">
               <a:extLst>
                 <a:ext uri="{FF2B5EF4-FFF2-40B4-BE49-F238E27FC236}">
-                  <a16:creationId xmlns:a16="http://schemas.microsoft.com/office/drawing/2014/main" id="{DE18C3B6-28E6-4BBC-B634-F81DE5A9D13C}"/>
+                  <a16:creationId xmlns:a16="http://schemas.microsoft.com/office/drawing/2014/main" xmlns="" id="{DE18C3B6-28E6-4BBC-B634-F81DE5A9D13C}"/>
                 </a:ext>
               </a:extLst>
             </p:cNvPr>
@@ -2905,7 +2905,7 @@
           <p:cNvPr id="36" name="Parallelogram 35">
             <a:extLst>
               <a:ext uri="{FF2B5EF4-FFF2-40B4-BE49-F238E27FC236}">
-                <a16:creationId xmlns:a16="http://schemas.microsoft.com/office/drawing/2014/main" id="{4EBB76E7-943E-4038-B700-114F66FBC609}"/>
+                <a16:creationId xmlns:a16="http://schemas.microsoft.com/office/drawing/2014/main" xmlns="" id="{4EBB76E7-943E-4038-B700-114F66FBC609}"/>
               </a:ext>
             </a:extLst>
           </p:cNvPr>
@@ -2964,7 +2964,7 @@
           <p:cNvPr id="2" name="Footer Placeholder 1">
             <a:extLst>
               <a:ext uri="{FF2B5EF4-FFF2-40B4-BE49-F238E27FC236}">
-                <a16:creationId xmlns:a16="http://schemas.microsoft.com/office/drawing/2014/main" id="{03E79E9C-D961-6E47-A5C6-57689BAFF243}"/>
+                <a16:creationId xmlns:a16="http://schemas.microsoft.com/office/drawing/2014/main" xmlns="" id="{03E79E9C-D961-6E47-A5C6-57689BAFF243}"/>
               </a:ext>
             </a:extLst>
           </p:cNvPr>
@@ -2996,7 +2996,7 @@
           <p:cNvPr id="3" name="Slide Number Placeholder 2">
             <a:extLst>
               <a:ext uri="{FF2B5EF4-FFF2-40B4-BE49-F238E27FC236}">
-                <a16:creationId xmlns:a16="http://schemas.microsoft.com/office/drawing/2014/main" id="{B08BE157-60F2-194D-8C13-4AE120FC9EDE}"/>
+                <a16:creationId xmlns:a16="http://schemas.microsoft.com/office/drawing/2014/main" xmlns="" id="{B08BE157-60F2-194D-8C13-4AE120FC9EDE}"/>
               </a:ext>
             </a:extLst>
           </p:cNvPr>
@@ -3025,7 +3025,7 @@
           <p:cNvPr id="27" name="Title 1" title="Title ">
             <a:extLst>
               <a:ext uri="{FF2B5EF4-FFF2-40B4-BE49-F238E27FC236}">
-                <a16:creationId xmlns:a16="http://schemas.microsoft.com/office/drawing/2014/main" id="{C3CC34F4-862A-42E7-B2FA-7B511CC2E879}"/>
+                <a16:creationId xmlns:a16="http://schemas.microsoft.com/office/drawing/2014/main" xmlns="" id="{C3CC34F4-862A-42E7-B2FA-7B511CC2E879}"/>
               </a:ext>
             </a:extLst>
           </p:cNvPr>
@@ -3072,7 +3072,7 @@
           <p:cNvPr id="14" name="Content Placeholder 2">
             <a:extLst>
               <a:ext uri="{FF2B5EF4-FFF2-40B4-BE49-F238E27FC236}">
-                <a16:creationId xmlns:a16="http://schemas.microsoft.com/office/drawing/2014/main" id="{823249D8-E68C-4BF7-8262-BBD14F753B6D}"/>
+                <a16:creationId xmlns:a16="http://schemas.microsoft.com/office/drawing/2014/main" xmlns="" id="{823249D8-E68C-4BF7-8262-BBD14F753B6D}"/>
               </a:ext>
             </a:extLst>
           </p:cNvPr>
@@ -3169,7 +3169,7 @@
           <p:cNvPr id="15" name="Content Placeholder 3">
             <a:extLst>
               <a:ext uri="{FF2B5EF4-FFF2-40B4-BE49-F238E27FC236}">
-                <a16:creationId xmlns:a16="http://schemas.microsoft.com/office/drawing/2014/main" id="{A28EDCEA-34E1-401A-9FB9-5F166D868FC8}"/>
+                <a16:creationId xmlns:a16="http://schemas.microsoft.com/office/drawing/2014/main" xmlns="" id="{A28EDCEA-34E1-401A-9FB9-5F166D868FC8}"/>
               </a:ext>
             </a:extLst>
           </p:cNvPr>
@@ -3234,7 +3234,7 @@
           <p:cNvPr id="5" name="Picture 4">
             <a:extLst>
               <a:ext uri="{FF2B5EF4-FFF2-40B4-BE49-F238E27FC236}">
-                <a16:creationId xmlns:a16="http://schemas.microsoft.com/office/drawing/2014/main" id="{E61768B9-95B1-4493-A0D0-9FA6CBBC3F43}"/>
+                <a16:creationId xmlns:a16="http://schemas.microsoft.com/office/drawing/2014/main" xmlns="" id="{E61768B9-95B1-4493-A0D0-9FA6CBBC3F43}"/>
               </a:ext>
             </a:extLst>
           </p:cNvPr>
@@ -3271,7 +3271,7 @@
   </p:clrMapOvr>
   <p:extLst mod="1">
     <p:ext uri="{DCECCB84-F9BA-43D5-87BE-67443E8EF086}">
-      <p15:sldGuideLst xmlns:p15="http://schemas.microsoft.com/office/powerpoint/2012/main">
+      <p15:sldGuideLst xmlns:p15="http://schemas.microsoft.com/office/powerpoint/2012/main" xmlns="">
         <p15:guide id="1" orient="horz" pos="2160">
           <p15:clr>
             <a:srgbClr val="FBAE40"/>
@@ -3325,7 +3325,7 @@
           <p:cNvPr id="22" name="Straight Connector 21">
             <a:extLst>
               <a:ext uri="{FF2B5EF4-FFF2-40B4-BE49-F238E27FC236}">
-                <a16:creationId xmlns:a16="http://schemas.microsoft.com/office/drawing/2014/main" id="{01AF1CF9-9F46-4541-8FF1-B9C53244EE1A}"/>
+                <a16:creationId xmlns:a16="http://schemas.microsoft.com/office/drawing/2014/main" xmlns="" id="{01AF1CF9-9F46-4541-8FF1-B9C53244EE1A}"/>
               </a:ext>
             </a:extLst>
           </p:cNvPr>
@@ -3368,7 +3368,7 @@
           <p:cNvPr id="23" name="Group 22">
             <a:extLst>
               <a:ext uri="{FF2B5EF4-FFF2-40B4-BE49-F238E27FC236}">
-                <a16:creationId xmlns:a16="http://schemas.microsoft.com/office/drawing/2014/main" id="{AB0E1BA4-80FE-4826-BA2F-083C3A5BB7FA}"/>
+                <a16:creationId xmlns:a16="http://schemas.microsoft.com/office/drawing/2014/main" xmlns="" id="{AB0E1BA4-80FE-4826-BA2F-083C3A5BB7FA}"/>
               </a:ext>
             </a:extLst>
           </p:cNvPr>
@@ -3388,7 +3388,7 @@
             <p:cNvPr id="26" name="Diagonal Stripe 25">
               <a:extLst>
                 <a:ext uri="{FF2B5EF4-FFF2-40B4-BE49-F238E27FC236}">
-                  <a16:creationId xmlns:a16="http://schemas.microsoft.com/office/drawing/2014/main" id="{0697993E-CD44-40B9-805C-77BC608618A7}"/>
+                  <a16:creationId xmlns:a16="http://schemas.microsoft.com/office/drawing/2014/main" xmlns="" id="{0697993E-CD44-40B9-805C-77BC608618A7}"/>
                 </a:ext>
               </a:extLst>
             </p:cNvPr>
@@ -3446,7 +3446,7 @@
             <p:cNvPr id="28" name="Straight Connector 27">
               <a:extLst>
                 <a:ext uri="{FF2B5EF4-FFF2-40B4-BE49-F238E27FC236}">
-                  <a16:creationId xmlns:a16="http://schemas.microsoft.com/office/drawing/2014/main" id="{DDBD869A-51AE-4AC9-A3E0-38E8C732B1E8}"/>
+                  <a16:creationId xmlns:a16="http://schemas.microsoft.com/office/drawing/2014/main" xmlns="" id="{DDBD869A-51AE-4AC9-A3E0-38E8C732B1E8}"/>
                 </a:ext>
               </a:extLst>
             </p:cNvPr>
@@ -3491,7 +3491,7 @@
             <p:cNvPr id="30" name="Parallelogram 29">
               <a:extLst>
                 <a:ext uri="{FF2B5EF4-FFF2-40B4-BE49-F238E27FC236}">
-                  <a16:creationId xmlns:a16="http://schemas.microsoft.com/office/drawing/2014/main" id="{DE18C3B6-28E6-4BBC-B634-F81DE5A9D13C}"/>
+                  <a16:creationId xmlns:a16="http://schemas.microsoft.com/office/drawing/2014/main" xmlns="" id="{DE18C3B6-28E6-4BBC-B634-F81DE5A9D13C}"/>
                 </a:ext>
               </a:extLst>
             </p:cNvPr>
@@ -3546,7 +3546,7 @@
           <p:cNvPr id="36" name="Parallelogram 35">
             <a:extLst>
               <a:ext uri="{FF2B5EF4-FFF2-40B4-BE49-F238E27FC236}">
-                <a16:creationId xmlns:a16="http://schemas.microsoft.com/office/drawing/2014/main" id="{4EBB76E7-943E-4038-B700-114F66FBC609}"/>
+                <a16:creationId xmlns:a16="http://schemas.microsoft.com/office/drawing/2014/main" xmlns="" id="{4EBB76E7-943E-4038-B700-114F66FBC609}"/>
               </a:ext>
             </a:extLst>
           </p:cNvPr>
@@ -3605,7 +3605,7 @@
           <p:cNvPr id="2" name="Footer Placeholder 1">
             <a:extLst>
               <a:ext uri="{FF2B5EF4-FFF2-40B4-BE49-F238E27FC236}">
-                <a16:creationId xmlns:a16="http://schemas.microsoft.com/office/drawing/2014/main" id="{03E79E9C-D961-6E47-A5C6-57689BAFF243}"/>
+                <a16:creationId xmlns:a16="http://schemas.microsoft.com/office/drawing/2014/main" xmlns="" id="{03E79E9C-D961-6E47-A5C6-57689BAFF243}"/>
               </a:ext>
             </a:extLst>
           </p:cNvPr>
@@ -3637,7 +3637,7 @@
           <p:cNvPr id="3" name="Slide Number Placeholder 2">
             <a:extLst>
               <a:ext uri="{FF2B5EF4-FFF2-40B4-BE49-F238E27FC236}">
-                <a16:creationId xmlns:a16="http://schemas.microsoft.com/office/drawing/2014/main" id="{B08BE157-60F2-194D-8C13-4AE120FC9EDE}"/>
+                <a16:creationId xmlns:a16="http://schemas.microsoft.com/office/drawing/2014/main" xmlns="" id="{B08BE157-60F2-194D-8C13-4AE120FC9EDE}"/>
               </a:ext>
             </a:extLst>
           </p:cNvPr>
@@ -3666,7 +3666,7 @@
           <p:cNvPr id="27" name="Title 1" title="Title ">
             <a:extLst>
               <a:ext uri="{FF2B5EF4-FFF2-40B4-BE49-F238E27FC236}">
-                <a16:creationId xmlns:a16="http://schemas.microsoft.com/office/drawing/2014/main" id="{C3CC34F4-862A-42E7-B2FA-7B511CC2E879}"/>
+                <a16:creationId xmlns:a16="http://schemas.microsoft.com/office/drawing/2014/main" xmlns="" id="{C3CC34F4-862A-42E7-B2FA-7B511CC2E879}"/>
               </a:ext>
             </a:extLst>
           </p:cNvPr>
@@ -3713,7 +3713,7 @@
           <p:cNvPr id="16" name="Content Placeholder 3">
             <a:extLst>
               <a:ext uri="{FF2B5EF4-FFF2-40B4-BE49-F238E27FC236}">
-                <a16:creationId xmlns:a16="http://schemas.microsoft.com/office/drawing/2014/main" id="{F317B210-ADED-4DC5-B81D-6EBB453A5D5A}"/>
+                <a16:creationId xmlns:a16="http://schemas.microsoft.com/office/drawing/2014/main" xmlns="" id="{F317B210-ADED-4DC5-B81D-6EBB453A5D5A}"/>
               </a:ext>
             </a:extLst>
           </p:cNvPr>
@@ -3810,7 +3810,7 @@
           <p:cNvPr id="21" name="Text Placeholder 2">
             <a:extLst>
               <a:ext uri="{FF2B5EF4-FFF2-40B4-BE49-F238E27FC236}">
-                <a16:creationId xmlns:a16="http://schemas.microsoft.com/office/drawing/2014/main" id="{ACA914A5-6E4F-4764-9241-4C4D7050E2F5}"/>
+                <a16:creationId xmlns:a16="http://schemas.microsoft.com/office/drawing/2014/main" xmlns="" id="{ACA914A5-6E4F-4764-9241-4C4D7050E2F5}"/>
               </a:ext>
             </a:extLst>
           </p:cNvPr>
@@ -3858,7 +3858,7 @@
           <p:cNvPr id="24" name="Text Placeholder 4">
             <a:extLst>
               <a:ext uri="{FF2B5EF4-FFF2-40B4-BE49-F238E27FC236}">
-                <a16:creationId xmlns:a16="http://schemas.microsoft.com/office/drawing/2014/main" id="{E475D6F4-89A9-4B2B-BAAE-C2A7B4AE7174}"/>
+                <a16:creationId xmlns:a16="http://schemas.microsoft.com/office/drawing/2014/main" xmlns="" id="{E475D6F4-89A9-4B2B-BAAE-C2A7B4AE7174}"/>
               </a:ext>
             </a:extLst>
           </p:cNvPr>
@@ -3906,7 +3906,7 @@
           <p:cNvPr id="29" name="Content Placeholder 5">
             <a:extLst>
               <a:ext uri="{FF2B5EF4-FFF2-40B4-BE49-F238E27FC236}">
-                <a16:creationId xmlns:a16="http://schemas.microsoft.com/office/drawing/2014/main" id="{8A58000C-F22C-45EF-887E-AEF79F8BF0E0}"/>
+                <a16:creationId xmlns:a16="http://schemas.microsoft.com/office/drawing/2014/main" xmlns="" id="{8A58000C-F22C-45EF-887E-AEF79F8BF0E0}"/>
               </a:ext>
             </a:extLst>
           </p:cNvPr>
@@ -4002,7 +4002,7 @@
           <p:cNvPr id="5" name="Picture 4">
             <a:extLst>
               <a:ext uri="{FF2B5EF4-FFF2-40B4-BE49-F238E27FC236}">
-                <a16:creationId xmlns:a16="http://schemas.microsoft.com/office/drawing/2014/main" id="{60141A0F-CFD6-44A1-9D1D-1BE82D1EE97C}"/>
+                <a16:creationId xmlns:a16="http://schemas.microsoft.com/office/drawing/2014/main" xmlns="" id="{60141A0F-CFD6-44A1-9D1D-1BE82D1EE97C}"/>
               </a:ext>
             </a:extLst>
           </p:cNvPr>
@@ -4039,7 +4039,7 @@
   </p:clrMapOvr>
   <p:extLst mod="1">
     <p:ext uri="{DCECCB84-F9BA-43D5-87BE-67443E8EF086}">
-      <p15:sldGuideLst xmlns:p15="http://schemas.microsoft.com/office/powerpoint/2012/main">
+      <p15:sldGuideLst xmlns:p15="http://schemas.microsoft.com/office/powerpoint/2012/main" xmlns="">
         <p15:guide id="1" orient="horz" pos="2160">
           <p15:clr>
             <a:srgbClr val="FBAE40"/>
@@ -4093,7 +4093,7 @@
           <p:cNvPr id="21" name="TextBox 20">
             <a:extLst>
               <a:ext uri="{FF2B5EF4-FFF2-40B4-BE49-F238E27FC236}">
-                <a16:creationId xmlns:a16="http://schemas.microsoft.com/office/drawing/2014/main" id="{7E8A2C98-F26E-415A-B931-1B89CA46C1CF}"/>
+                <a16:creationId xmlns:a16="http://schemas.microsoft.com/office/drawing/2014/main" xmlns="" id="{7E8A2C98-F26E-415A-B931-1B89CA46C1CF}"/>
               </a:ext>
             </a:extLst>
           </p:cNvPr>
@@ -4139,7 +4139,7 @@
           <p:cNvPr id="27" name="Group 26">
             <a:extLst>
               <a:ext uri="{FF2B5EF4-FFF2-40B4-BE49-F238E27FC236}">
-                <a16:creationId xmlns:a16="http://schemas.microsoft.com/office/drawing/2014/main" id="{1B2FB48C-0C70-4DBE-B904-A134B6644DD3}"/>
+                <a16:creationId xmlns:a16="http://schemas.microsoft.com/office/drawing/2014/main" xmlns="" id="{1B2FB48C-0C70-4DBE-B904-A134B6644DD3}"/>
               </a:ext>
             </a:extLst>
           </p:cNvPr>
@@ -4159,7 +4159,7 @@
             <p:cNvPr id="28" name="Diagonal Stripe 27">
               <a:extLst>
                 <a:ext uri="{FF2B5EF4-FFF2-40B4-BE49-F238E27FC236}">
-                  <a16:creationId xmlns:a16="http://schemas.microsoft.com/office/drawing/2014/main" id="{4F2E2158-1E6E-4E0D-BDAB-B20041C73615}"/>
+                  <a16:creationId xmlns:a16="http://schemas.microsoft.com/office/drawing/2014/main" xmlns="" id="{4F2E2158-1E6E-4E0D-BDAB-B20041C73615}"/>
                 </a:ext>
               </a:extLst>
             </p:cNvPr>
@@ -4217,7 +4217,7 @@
             <p:cNvPr id="29" name="Straight Connector 28">
               <a:extLst>
                 <a:ext uri="{FF2B5EF4-FFF2-40B4-BE49-F238E27FC236}">
-                  <a16:creationId xmlns:a16="http://schemas.microsoft.com/office/drawing/2014/main" id="{626D62DB-3A5A-4DA1-BFA4-D9E58676E86A}"/>
+                  <a16:creationId xmlns:a16="http://schemas.microsoft.com/office/drawing/2014/main" xmlns="" id="{626D62DB-3A5A-4DA1-BFA4-D9E58676E86A}"/>
                 </a:ext>
               </a:extLst>
             </p:cNvPr>
@@ -4262,7 +4262,7 @@
             <p:cNvPr id="30" name="Parallelogram 29">
               <a:extLst>
                 <a:ext uri="{FF2B5EF4-FFF2-40B4-BE49-F238E27FC236}">
-                  <a16:creationId xmlns:a16="http://schemas.microsoft.com/office/drawing/2014/main" id="{F5A729A7-3A5C-405C-AE06-180E7529E477}"/>
+                  <a16:creationId xmlns:a16="http://schemas.microsoft.com/office/drawing/2014/main" xmlns="" id="{F5A729A7-3A5C-405C-AE06-180E7529E477}"/>
                 </a:ext>
               </a:extLst>
             </p:cNvPr>
@@ -4317,7 +4317,7 @@
           <p:cNvPr id="31" name="Parallelogram 30">
             <a:extLst>
               <a:ext uri="{FF2B5EF4-FFF2-40B4-BE49-F238E27FC236}">
-                <a16:creationId xmlns:a16="http://schemas.microsoft.com/office/drawing/2014/main" id="{41E23981-B12A-4AC3-A030-337BBBA5E45B}"/>
+                <a16:creationId xmlns:a16="http://schemas.microsoft.com/office/drawing/2014/main" xmlns="" id="{41E23981-B12A-4AC3-A030-337BBBA5E45B}"/>
               </a:ext>
             </a:extLst>
           </p:cNvPr>
@@ -4376,7 +4376,7 @@
           <p:cNvPr id="2" name="Footer Placeholder 1">
             <a:extLst>
               <a:ext uri="{FF2B5EF4-FFF2-40B4-BE49-F238E27FC236}">
-                <a16:creationId xmlns:a16="http://schemas.microsoft.com/office/drawing/2014/main" id="{CB69A007-934D-7A4B-9EFA-82044EF4DC33}"/>
+                <a16:creationId xmlns:a16="http://schemas.microsoft.com/office/drawing/2014/main" xmlns="" id="{CB69A007-934D-7A4B-9EFA-82044EF4DC33}"/>
               </a:ext>
             </a:extLst>
           </p:cNvPr>
@@ -4404,7 +4404,7 @@
           <p:cNvPr id="3" name="Slide Number Placeholder 2">
             <a:extLst>
               <a:ext uri="{FF2B5EF4-FFF2-40B4-BE49-F238E27FC236}">
-                <a16:creationId xmlns:a16="http://schemas.microsoft.com/office/drawing/2014/main" id="{5A154DC2-98C7-4D4B-A17A-AA4731217F17}"/>
+                <a16:creationId xmlns:a16="http://schemas.microsoft.com/office/drawing/2014/main" xmlns="" id="{5A154DC2-98C7-4D4B-A17A-AA4731217F17}"/>
               </a:ext>
             </a:extLst>
           </p:cNvPr>
@@ -4433,7 +4433,7 @@
           <p:cNvPr id="6" name="Title 5">
             <a:extLst>
               <a:ext uri="{FF2B5EF4-FFF2-40B4-BE49-F238E27FC236}">
-                <a16:creationId xmlns:a16="http://schemas.microsoft.com/office/drawing/2014/main" id="{129B36BA-F39A-4AFD-86F9-1A944D8594D3}"/>
+                <a16:creationId xmlns:a16="http://schemas.microsoft.com/office/drawing/2014/main" xmlns="" id="{129B36BA-F39A-4AFD-86F9-1A944D8594D3}"/>
               </a:ext>
             </a:extLst>
           </p:cNvPr>
@@ -4468,7 +4468,7 @@
   </p:clrMapOvr>
   <p:extLst mod="1">
     <p:ext uri="{DCECCB84-F9BA-43D5-87BE-67443E8EF086}">
-      <p15:sldGuideLst xmlns:p15="http://schemas.microsoft.com/office/powerpoint/2012/main">
+      <p15:sldGuideLst xmlns:p15="http://schemas.microsoft.com/office/powerpoint/2012/main" xmlns="">
         <p15:guide id="1" orient="horz" pos="142">
           <p15:clr>
             <a:srgbClr val="FBAE40"/>
@@ -4512,7 +4512,7 @@
           <p:cNvPr id="18" name="TextBox 17">
             <a:extLst>
               <a:ext uri="{FF2B5EF4-FFF2-40B4-BE49-F238E27FC236}">
-                <a16:creationId xmlns:a16="http://schemas.microsoft.com/office/drawing/2014/main" id="{CC52C5C1-EC33-44C1-9D54-A1058BBF1812}"/>
+                <a16:creationId xmlns:a16="http://schemas.microsoft.com/office/drawing/2014/main" xmlns="" id="{CC52C5C1-EC33-44C1-9D54-A1058BBF1812}"/>
               </a:ext>
             </a:extLst>
           </p:cNvPr>
@@ -4558,7 +4558,7 @@
           <p:cNvPr id="26" name="Group 25">
             <a:extLst>
               <a:ext uri="{FF2B5EF4-FFF2-40B4-BE49-F238E27FC236}">
-                <a16:creationId xmlns:a16="http://schemas.microsoft.com/office/drawing/2014/main" id="{8A0030CD-8C9E-4AA5-8C5D-F9B2EDB7E17A}"/>
+                <a16:creationId xmlns:a16="http://schemas.microsoft.com/office/drawing/2014/main" xmlns="" id="{8A0030CD-8C9E-4AA5-8C5D-F9B2EDB7E17A}"/>
               </a:ext>
             </a:extLst>
           </p:cNvPr>
@@ -4578,7 +4578,7 @@
             <p:cNvPr id="27" name="Diagonal Stripe 26">
               <a:extLst>
                 <a:ext uri="{FF2B5EF4-FFF2-40B4-BE49-F238E27FC236}">
-                  <a16:creationId xmlns:a16="http://schemas.microsoft.com/office/drawing/2014/main" id="{872EE65E-EE50-4A3E-861E-1D6C241CB8EA}"/>
+                  <a16:creationId xmlns:a16="http://schemas.microsoft.com/office/drawing/2014/main" xmlns="" id="{872EE65E-EE50-4A3E-861E-1D6C241CB8EA}"/>
                 </a:ext>
               </a:extLst>
             </p:cNvPr>
@@ -4636,7 +4636,7 @@
             <p:cNvPr id="28" name="Straight Connector 27">
               <a:extLst>
                 <a:ext uri="{FF2B5EF4-FFF2-40B4-BE49-F238E27FC236}">
-                  <a16:creationId xmlns:a16="http://schemas.microsoft.com/office/drawing/2014/main" id="{E76AD1EF-E06C-4D3C-9693-26844D01C83C}"/>
+                  <a16:creationId xmlns:a16="http://schemas.microsoft.com/office/drawing/2014/main" xmlns="" id="{E76AD1EF-E06C-4D3C-9693-26844D01C83C}"/>
                 </a:ext>
               </a:extLst>
             </p:cNvPr>
@@ -4681,7 +4681,7 @@
             <p:cNvPr id="29" name="Parallelogram 28">
               <a:extLst>
                 <a:ext uri="{FF2B5EF4-FFF2-40B4-BE49-F238E27FC236}">
-                  <a16:creationId xmlns:a16="http://schemas.microsoft.com/office/drawing/2014/main" id="{57D44C42-44C0-420A-A125-9B1A979D4F56}"/>
+                  <a16:creationId xmlns:a16="http://schemas.microsoft.com/office/drawing/2014/main" xmlns="" id="{57D44C42-44C0-420A-A125-9B1A979D4F56}"/>
                 </a:ext>
               </a:extLst>
             </p:cNvPr>
@@ -4736,7 +4736,7 @@
           <p:cNvPr id="30" name="Parallelogram 29">
             <a:extLst>
               <a:ext uri="{FF2B5EF4-FFF2-40B4-BE49-F238E27FC236}">
-                <a16:creationId xmlns:a16="http://schemas.microsoft.com/office/drawing/2014/main" id="{406089BB-36DC-4E23-B215-527A8A18FCFB}"/>
+                <a16:creationId xmlns:a16="http://schemas.microsoft.com/office/drawing/2014/main" xmlns="" id="{406089BB-36DC-4E23-B215-527A8A18FCFB}"/>
               </a:ext>
             </a:extLst>
           </p:cNvPr>
@@ -4795,7 +4795,7 @@
           <p:cNvPr id="2" name="Footer Placeholder 1">
             <a:extLst>
               <a:ext uri="{FF2B5EF4-FFF2-40B4-BE49-F238E27FC236}">
-                <a16:creationId xmlns:a16="http://schemas.microsoft.com/office/drawing/2014/main" id="{578C43A6-50C6-704E-BADC-6D83BADE7316}"/>
+                <a16:creationId xmlns:a16="http://schemas.microsoft.com/office/drawing/2014/main" xmlns="" id="{578C43A6-50C6-704E-BADC-6D83BADE7316}"/>
               </a:ext>
             </a:extLst>
           </p:cNvPr>
@@ -4823,7 +4823,7 @@
           <p:cNvPr id="3" name="Slide Number Placeholder 2">
             <a:extLst>
               <a:ext uri="{FF2B5EF4-FFF2-40B4-BE49-F238E27FC236}">
-                <a16:creationId xmlns:a16="http://schemas.microsoft.com/office/drawing/2014/main" id="{ED91439B-965F-3548-AF77-89501B24F600}"/>
+                <a16:creationId xmlns:a16="http://schemas.microsoft.com/office/drawing/2014/main" xmlns="" id="{ED91439B-965F-3548-AF77-89501B24F600}"/>
               </a:ext>
             </a:extLst>
           </p:cNvPr>
@@ -4859,7 +4859,7 @@
   </p:clrMapOvr>
   <p:extLst mod="1">
     <p:ext uri="{DCECCB84-F9BA-43D5-87BE-67443E8EF086}">
-      <p15:sldGuideLst xmlns:p15="http://schemas.microsoft.com/office/powerpoint/2012/main">
+      <p15:sldGuideLst xmlns:p15="http://schemas.microsoft.com/office/powerpoint/2012/main" xmlns="">
         <p15:guide id="1" orient="horz" pos="142">
           <p15:clr>
             <a:srgbClr val="FBAE40"/>
@@ -4903,7 +4903,7 @@
           <p:cNvPr id="22" name="Straight Connector 21">
             <a:extLst>
               <a:ext uri="{FF2B5EF4-FFF2-40B4-BE49-F238E27FC236}">
-                <a16:creationId xmlns:a16="http://schemas.microsoft.com/office/drawing/2014/main" id="{01AF1CF9-9F46-4541-8FF1-B9C53244EE1A}"/>
+                <a16:creationId xmlns:a16="http://schemas.microsoft.com/office/drawing/2014/main" xmlns="" id="{01AF1CF9-9F46-4541-8FF1-B9C53244EE1A}"/>
               </a:ext>
             </a:extLst>
           </p:cNvPr>
@@ -4946,7 +4946,7 @@
           <p:cNvPr id="23" name="Group 22">
             <a:extLst>
               <a:ext uri="{FF2B5EF4-FFF2-40B4-BE49-F238E27FC236}">
-                <a16:creationId xmlns:a16="http://schemas.microsoft.com/office/drawing/2014/main" id="{AB0E1BA4-80FE-4826-BA2F-083C3A5BB7FA}"/>
+                <a16:creationId xmlns:a16="http://schemas.microsoft.com/office/drawing/2014/main" xmlns="" id="{AB0E1BA4-80FE-4826-BA2F-083C3A5BB7FA}"/>
               </a:ext>
             </a:extLst>
           </p:cNvPr>
@@ -4966,7 +4966,7 @@
             <p:cNvPr id="26" name="Diagonal Stripe 25">
               <a:extLst>
                 <a:ext uri="{FF2B5EF4-FFF2-40B4-BE49-F238E27FC236}">
-                  <a16:creationId xmlns:a16="http://schemas.microsoft.com/office/drawing/2014/main" id="{0697993E-CD44-40B9-805C-77BC608618A7}"/>
+                  <a16:creationId xmlns:a16="http://schemas.microsoft.com/office/drawing/2014/main" xmlns="" id="{0697993E-CD44-40B9-805C-77BC608618A7}"/>
                 </a:ext>
               </a:extLst>
             </p:cNvPr>
@@ -5024,7 +5024,7 @@
             <p:cNvPr id="28" name="Straight Connector 27">
               <a:extLst>
                 <a:ext uri="{FF2B5EF4-FFF2-40B4-BE49-F238E27FC236}">
-                  <a16:creationId xmlns:a16="http://schemas.microsoft.com/office/drawing/2014/main" id="{DDBD869A-51AE-4AC9-A3E0-38E8C732B1E8}"/>
+                  <a16:creationId xmlns:a16="http://schemas.microsoft.com/office/drawing/2014/main" xmlns="" id="{DDBD869A-51AE-4AC9-A3E0-38E8C732B1E8}"/>
                 </a:ext>
               </a:extLst>
             </p:cNvPr>
@@ -5069,7 +5069,7 @@
             <p:cNvPr id="30" name="Parallelogram 29">
               <a:extLst>
                 <a:ext uri="{FF2B5EF4-FFF2-40B4-BE49-F238E27FC236}">
-                  <a16:creationId xmlns:a16="http://schemas.microsoft.com/office/drawing/2014/main" id="{DE18C3B6-28E6-4BBC-B634-F81DE5A9D13C}"/>
+                  <a16:creationId xmlns:a16="http://schemas.microsoft.com/office/drawing/2014/main" xmlns="" id="{DE18C3B6-28E6-4BBC-B634-F81DE5A9D13C}"/>
                 </a:ext>
               </a:extLst>
             </p:cNvPr>
@@ -5124,7 +5124,7 @@
           <p:cNvPr id="25" name="TextBox 24">
             <a:extLst>
               <a:ext uri="{FF2B5EF4-FFF2-40B4-BE49-F238E27FC236}">
-                <a16:creationId xmlns:a16="http://schemas.microsoft.com/office/drawing/2014/main" id="{F0BB4D3D-930C-4FF4-BB7C-2CB24208150C}"/>
+                <a16:creationId xmlns:a16="http://schemas.microsoft.com/office/drawing/2014/main" xmlns="" id="{F0BB4D3D-930C-4FF4-BB7C-2CB24208150C}"/>
               </a:ext>
             </a:extLst>
           </p:cNvPr>
@@ -5170,7 +5170,7 @@
           <p:cNvPr id="36" name="Parallelogram 35">
             <a:extLst>
               <a:ext uri="{FF2B5EF4-FFF2-40B4-BE49-F238E27FC236}">
-                <a16:creationId xmlns:a16="http://schemas.microsoft.com/office/drawing/2014/main" id="{4EBB76E7-943E-4038-B700-114F66FBC609}"/>
+                <a16:creationId xmlns:a16="http://schemas.microsoft.com/office/drawing/2014/main" xmlns="" id="{4EBB76E7-943E-4038-B700-114F66FBC609}"/>
               </a:ext>
             </a:extLst>
           </p:cNvPr>
@@ -5229,7 +5229,7 @@
           <p:cNvPr id="2" name="Footer Placeholder 1">
             <a:extLst>
               <a:ext uri="{FF2B5EF4-FFF2-40B4-BE49-F238E27FC236}">
-                <a16:creationId xmlns:a16="http://schemas.microsoft.com/office/drawing/2014/main" id="{03E79E9C-D961-6E47-A5C6-57689BAFF243}"/>
+                <a16:creationId xmlns:a16="http://schemas.microsoft.com/office/drawing/2014/main" xmlns="" id="{03E79E9C-D961-6E47-A5C6-57689BAFF243}"/>
               </a:ext>
             </a:extLst>
           </p:cNvPr>
@@ -5261,7 +5261,7 @@
           <p:cNvPr id="3" name="Slide Number Placeholder 2">
             <a:extLst>
               <a:ext uri="{FF2B5EF4-FFF2-40B4-BE49-F238E27FC236}">
-                <a16:creationId xmlns:a16="http://schemas.microsoft.com/office/drawing/2014/main" id="{B08BE157-60F2-194D-8C13-4AE120FC9EDE}"/>
+                <a16:creationId xmlns:a16="http://schemas.microsoft.com/office/drawing/2014/main" xmlns="" id="{B08BE157-60F2-194D-8C13-4AE120FC9EDE}"/>
               </a:ext>
             </a:extLst>
           </p:cNvPr>
@@ -5290,7 +5290,7 @@
           <p:cNvPr id="4" name="Title 3">
             <a:extLst>
               <a:ext uri="{FF2B5EF4-FFF2-40B4-BE49-F238E27FC236}">
-                <a16:creationId xmlns:a16="http://schemas.microsoft.com/office/drawing/2014/main" id="{58C7922D-7B45-4319-B716-3F9601877258}"/>
+                <a16:creationId xmlns:a16="http://schemas.microsoft.com/office/drawing/2014/main" xmlns="" id="{58C7922D-7B45-4319-B716-3F9601877258}"/>
               </a:ext>
             </a:extLst>
           </p:cNvPr>
@@ -5318,7 +5318,7 @@
           <p:cNvPr id="19" name="Content Placeholder 2">
             <a:extLst>
               <a:ext uri="{FF2B5EF4-FFF2-40B4-BE49-F238E27FC236}">
-                <a16:creationId xmlns:a16="http://schemas.microsoft.com/office/drawing/2014/main" id="{FA4BB3D9-C0D2-4FB2-8198-E2344394A693}"/>
+                <a16:creationId xmlns:a16="http://schemas.microsoft.com/office/drawing/2014/main" xmlns="" id="{FA4BB3D9-C0D2-4FB2-8198-E2344394A693}"/>
               </a:ext>
             </a:extLst>
           </p:cNvPr>
@@ -5426,7 +5426,7 @@
           <p:cNvPr id="21" name="Text Placeholder 3">
             <a:extLst>
               <a:ext uri="{FF2B5EF4-FFF2-40B4-BE49-F238E27FC236}">
-                <a16:creationId xmlns:a16="http://schemas.microsoft.com/office/drawing/2014/main" id="{D3A98C45-4288-4455-BA18-052C1C015B9E}"/>
+                <a16:creationId xmlns:a16="http://schemas.microsoft.com/office/drawing/2014/main" xmlns="" id="{D3A98C45-4288-4455-BA18-052C1C015B9E}"/>
               </a:ext>
             </a:extLst>
           </p:cNvPr>
@@ -5507,7 +5507,7 @@
   </p:clrMapOvr>
   <p:extLst mod="1">
     <p:ext uri="{DCECCB84-F9BA-43D5-87BE-67443E8EF086}">
-      <p15:sldGuideLst xmlns:p15="http://schemas.microsoft.com/office/powerpoint/2012/main">
+      <p15:sldGuideLst xmlns:p15="http://schemas.microsoft.com/office/powerpoint/2012/main" xmlns="">
         <p15:guide id="1" orient="horz" pos="2160">
           <p15:clr>
             <a:srgbClr val="FBAE40"/>
@@ -5561,7 +5561,7 @@
           <p:cNvPr id="19" name="Right Triangle 18">
             <a:extLst>
               <a:ext uri="{FF2B5EF4-FFF2-40B4-BE49-F238E27FC236}">
-                <a16:creationId xmlns:a16="http://schemas.microsoft.com/office/drawing/2014/main" id="{71D0E8AA-902F-440D-9C55-2A391C22396A}"/>
+                <a16:creationId xmlns:a16="http://schemas.microsoft.com/office/drawing/2014/main" xmlns="" id="{71D0E8AA-902F-440D-9C55-2A391C22396A}"/>
               </a:ext>
             </a:extLst>
           </p:cNvPr>
@@ -5613,7 +5613,7 @@
           <p:cNvPr id="18" name="Straight Connector 17">
             <a:extLst>
               <a:ext uri="{FF2B5EF4-FFF2-40B4-BE49-F238E27FC236}">
-                <a16:creationId xmlns:a16="http://schemas.microsoft.com/office/drawing/2014/main" id="{732BB30B-8262-4715-998F-AAF6A81ADFD3}"/>
+                <a16:creationId xmlns:a16="http://schemas.microsoft.com/office/drawing/2014/main" xmlns="" id="{732BB30B-8262-4715-998F-AAF6A81ADFD3}"/>
               </a:ext>
             </a:extLst>
           </p:cNvPr>
@@ -5658,7 +5658,7 @@
           <p:cNvPr id="21" name="Straight Connector 20">
             <a:extLst>
               <a:ext uri="{FF2B5EF4-FFF2-40B4-BE49-F238E27FC236}">
-                <a16:creationId xmlns:a16="http://schemas.microsoft.com/office/drawing/2014/main" id="{DA0A0C24-D997-4E78-951F-AFB51C70EFCC}"/>
+                <a16:creationId xmlns:a16="http://schemas.microsoft.com/office/drawing/2014/main" xmlns="" id="{DA0A0C24-D997-4E78-951F-AFB51C70EFCC}"/>
               </a:ext>
             </a:extLst>
           </p:cNvPr>
@@ -5701,7 +5701,7 @@
           <p:cNvPr id="25" name="Parallelogram 24">
             <a:extLst>
               <a:ext uri="{FF2B5EF4-FFF2-40B4-BE49-F238E27FC236}">
-                <a16:creationId xmlns:a16="http://schemas.microsoft.com/office/drawing/2014/main" id="{E123A0CF-50D6-46EC-8BF6-43E38AFCD588}"/>
+                <a16:creationId xmlns:a16="http://schemas.microsoft.com/office/drawing/2014/main" xmlns="" id="{E123A0CF-50D6-46EC-8BF6-43E38AFCD588}"/>
               </a:ext>
             </a:extLst>
           </p:cNvPr>
@@ -5760,7 +5760,7 @@
           <p:cNvPr id="26" name="Straight Connector 25">
             <a:extLst>
               <a:ext uri="{FF2B5EF4-FFF2-40B4-BE49-F238E27FC236}">
-                <a16:creationId xmlns:a16="http://schemas.microsoft.com/office/drawing/2014/main" id="{2B2F1D2E-B631-4CB1-9448-2B50F8C46316}"/>
+                <a16:creationId xmlns:a16="http://schemas.microsoft.com/office/drawing/2014/main" xmlns="" id="{2B2F1D2E-B631-4CB1-9448-2B50F8C46316}"/>
               </a:ext>
             </a:extLst>
           </p:cNvPr>
@@ -5805,7 +5805,7 @@
           <p:cNvPr id="16" name="Straight Connector 15">
             <a:extLst>
               <a:ext uri="{FF2B5EF4-FFF2-40B4-BE49-F238E27FC236}">
-                <a16:creationId xmlns:a16="http://schemas.microsoft.com/office/drawing/2014/main" id="{5CF69447-82AD-475F-A3AE-3D7FF61DBFE2}"/>
+                <a16:creationId xmlns:a16="http://schemas.microsoft.com/office/drawing/2014/main" xmlns="" id="{5CF69447-82AD-475F-A3AE-3D7FF61DBFE2}"/>
               </a:ext>
             </a:extLst>
           </p:cNvPr>
@@ -5848,7 +5848,7 @@
           <p:cNvPr id="24" name="Parallelogram 23">
             <a:extLst>
               <a:ext uri="{FF2B5EF4-FFF2-40B4-BE49-F238E27FC236}">
-                <a16:creationId xmlns:a16="http://schemas.microsoft.com/office/drawing/2014/main" id="{FC8C82F3-94EE-4B4F-A01D-993A41BC00B1}"/>
+                <a16:creationId xmlns:a16="http://schemas.microsoft.com/office/drawing/2014/main" xmlns="" id="{FC8C82F3-94EE-4B4F-A01D-993A41BC00B1}"/>
               </a:ext>
             </a:extLst>
           </p:cNvPr>
@@ -5904,7 +5904,7 @@
           <p:cNvPr id="12" name="Picture Placeholder 2">
             <a:extLst>
               <a:ext uri="{FF2B5EF4-FFF2-40B4-BE49-F238E27FC236}">
-                <a16:creationId xmlns:a16="http://schemas.microsoft.com/office/drawing/2014/main" id="{BF341F67-7A20-4F05-8DD5-C752BDDE1612}"/>
+                <a16:creationId xmlns:a16="http://schemas.microsoft.com/office/drawing/2014/main" xmlns="" id="{BF341F67-7A20-4F05-8DD5-C752BDDE1612}"/>
               </a:ext>
             </a:extLst>
           </p:cNvPr>
@@ -6570,7 +6570,7 @@
           <p:cNvPr id="100" name="Title 1" title="Title">
             <a:extLst>
               <a:ext uri="{FF2B5EF4-FFF2-40B4-BE49-F238E27FC236}">
-                <a16:creationId xmlns:a16="http://schemas.microsoft.com/office/drawing/2014/main" id="{4D7EF399-DAA5-44EC-B712-79C755FE84CB}"/>
+                <a16:creationId xmlns:a16="http://schemas.microsoft.com/office/drawing/2014/main" xmlns="" id="{4D7EF399-DAA5-44EC-B712-79C755FE84CB}"/>
               </a:ext>
             </a:extLst>
           </p:cNvPr>
@@ -6619,7 +6619,7 @@
           <p:cNvPr id="13" name="Text Placeholder 3">
             <a:extLst>
               <a:ext uri="{FF2B5EF4-FFF2-40B4-BE49-F238E27FC236}">
-                <a16:creationId xmlns:a16="http://schemas.microsoft.com/office/drawing/2014/main" id="{D659EF43-5DC2-4744-9D12-EA989D15F890}"/>
+                <a16:creationId xmlns:a16="http://schemas.microsoft.com/office/drawing/2014/main" xmlns="" id="{D659EF43-5DC2-4744-9D12-EA989D15F890}"/>
               </a:ext>
             </a:extLst>
           </p:cNvPr>
@@ -6700,7 +6700,7 @@
   </p:clrMapOvr>
   <p:extLst mod="1">
     <p:ext uri="{DCECCB84-F9BA-43D5-87BE-67443E8EF086}">
-      <p15:sldGuideLst xmlns:p15="http://schemas.microsoft.com/office/powerpoint/2012/main">
+      <p15:sldGuideLst xmlns:p15="http://schemas.microsoft.com/office/powerpoint/2012/main" xmlns="">
         <p15:guide id="1" orient="horz" pos="2184" userDrawn="1">
           <p15:clr>
             <a:srgbClr val="FBAE40"/>
@@ -6759,7 +6759,7 @@
           <p:cNvPr id="19" name="Right Triangle 18">
             <a:extLst>
               <a:ext uri="{FF2B5EF4-FFF2-40B4-BE49-F238E27FC236}">
-                <a16:creationId xmlns:a16="http://schemas.microsoft.com/office/drawing/2014/main" id="{71D0E8AA-902F-440D-9C55-2A391C22396A}"/>
+                <a16:creationId xmlns:a16="http://schemas.microsoft.com/office/drawing/2014/main" xmlns="" id="{71D0E8AA-902F-440D-9C55-2A391C22396A}"/>
               </a:ext>
             </a:extLst>
           </p:cNvPr>
@@ -6811,7 +6811,7 @@
           <p:cNvPr id="17" name="Parallelogram 16">
             <a:extLst>
               <a:ext uri="{FF2B5EF4-FFF2-40B4-BE49-F238E27FC236}">
-                <a16:creationId xmlns:a16="http://schemas.microsoft.com/office/drawing/2014/main" id="{7D937721-835D-4D84-94A3-6C79D4639514}"/>
+                <a16:creationId xmlns:a16="http://schemas.microsoft.com/office/drawing/2014/main" xmlns="" id="{7D937721-835D-4D84-94A3-6C79D4639514}"/>
               </a:ext>
             </a:extLst>
           </p:cNvPr>
@@ -6865,7 +6865,7 @@
           <p:cNvPr id="18" name="Straight Connector 17">
             <a:extLst>
               <a:ext uri="{FF2B5EF4-FFF2-40B4-BE49-F238E27FC236}">
-                <a16:creationId xmlns:a16="http://schemas.microsoft.com/office/drawing/2014/main" id="{732BB30B-8262-4715-998F-AAF6A81ADFD3}"/>
+                <a16:creationId xmlns:a16="http://schemas.microsoft.com/office/drawing/2014/main" xmlns="" id="{732BB30B-8262-4715-998F-AAF6A81ADFD3}"/>
               </a:ext>
             </a:extLst>
           </p:cNvPr>
@@ -6910,7 +6910,7 @@
           <p:cNvPr id="100" name="Title 1" title="Title">
             <a:extLst>
               <a:ext uri="{FF2B5EF4-FFF2-40B4-BE49-F238E27FC236}">
-                <a16:creationId xmlns:a16="http://schemas.microsoft.com/office/drawing/2014/main" id="{4D7EF399-DAA5-44EC-B712-79C755FE84CB}"/>
+                <a16:creationId xmlns:a16="http://schemas.microsoft.com/office/drawing/2014/main" xmlns="" id="{4D7EF399-DAA5-44EC-B712-79C755FE84CB}"/>
               </a:ext>
             </a:extLst>
           </p:cNvPr>
@@ -6959,7 +6959,7 @@
           <p:cNvPr id="101" name="Text Placeholder 2" title="Subtitle">
             <a:extLst>
               <a:ext uri="{FF2B5EF4-FFF2-40B4-BE49-F238E27FC236}">
-                <a16:creationId xmlns:a16="http://schemas.microsoft.com/office/drawing/2014/main" id="{26D13BFA-61B0-402F-8611-02D3DFDBEBCB}"/>
+                <a16:creationId xmlns:a16="http://schemas.microsoft.com/office/drawing/2014/main" xmlns="" id="{26D13BFA-61B0-402F-8611-02D3DFDBEBCB}"/>
               </a:ext>
             </a:extLst>
           </p:cNvPr>
@@ -7089,7 +7089,7 @@
           <p:cNvPr id="21" name="Straight Connector 20">
             <a:extLst>
               <a:ext uri="{FF2B5EF4-FFF2-40B4-BE49-F238E27FC236}">
-                <a16:creationId xmlns:a16="http://schemas.microsoft.com/office/drawing/2014/main" id="{DA0A0C24-D997-4E78-951F-AFB51C70EFCC}"/>
+                <a16:creationId xmlns:a16="http://schemas.microsoft.com/office/drawing/2014/main" xmlns="" id="{DA0A0C24-D997-4E78-951F-AFB51C70EFCC}"/>
               </a:ext>
             </a:extLst>
           </p:cNvPr>
@@ -7132,7 +7132,7 @@
           <p:cNvPr id="25" name="Parallelogram 24">
             <a:extLst>
               <a:ext uri="{FF2B5EF4-FFF2-40B4-BE49-F238E27FC236}">
-                <a16:creationId xmlns:a16="http://schemas.microsoft.com/office/drawing/2014/main" id="{E123A0CF-50D6-46EC-8BF6-43E38AFCD588}"/>
+                <a16:creationId xmlns:a16="http://schemas.microsoft.com/office/drawing/2014/main" xmlns="" id="{E123A0CF-50D6-46EC-8BF6-43E38AFCD588}"/>
               </a:ext>
             </a:extLst>
           </p:cNvPr>
@@ -7191,7 +7191,7 @@
           <p:cNvPr id="26" name="Straight Connector 25">
             <a:extLst>
               <a:ext uri="{FF2B5EF4-FFF2-40B4-BE49-F238E27FC236}">
-                <a16:creationId xmlns:a16="http://schemas.microsoft.com/office/drawing/2014/main" id="{2B2F1D2E-B631-4CB1-9448-2B50F8C46316}"/>
+                <a16:creationId xmlns:a16="http://schemas.microsoft.com/office/drawing/2014/main" xmlns="" id="{2B2F1D2E-B631-4CB1-9448-2B50F8C46316}"/>
               </a:ext>
             </a:extLst>
           </p:cNvPr>
@@ -7236,7 +7236,7 @@
           <p:cNvPr id="27" name="Picture Placeholder 26">
             <a:extLst>
               <a:ext uri="{FF2B5EF4-FFF2-40B4-BE49-F238E27FC236}">
-                <a16:creationId xmlns:a16="http://schemas.microsoft.com/office/drawing/2014/main" id="{95572AA9-EFAE-4771-B1EE-47E361173778}"/>
+                <a16:creationId xmlns:a16="http://schemas.microsoft.com/office/drawing/2014/main" xmlns="" id="{95572AA9-EFAE-4771-B1EE-47E361173778}"/>
               </a:ext>
             </a:extLst>
           </p:cNvPr>
@@ -7343,7 +7343,7 @@
           <p:cNvPr id="16" name="Straight Connector 15">
             <a:extLst>
               <a:ext uri="{FF2B5EF4-FFF2-40B4-BE49-F238E27FC236}">
-                <a16:creationId xmlns:a16="http://schemas.microsoft.com/office/drawing/2014/main" id="{5CF69447-82AD-475F-A3AE-3D7FF61DBFE2}"/>
+                <a16:creationId xmlns:a16="http://schemas.microsoft.com/office/drawing/2014/main" xmlns="" id="{5CF69447-82AD-475F-A3AE-3D7FF61DBFE2}"/>
               </a:ext>
             </a:extLst>
           </p:cNvPr>
@@ -7386,7 +7386,7 @@
           <p:cNvPr id="24" name="Parallelogram 23">
             <a:extLst>
               <a:ext uri="{FF2B5EF4-FFF2-40B4-BE49-F238E27FC236}">
-                <a16:creationId xmlns:a16="http://schemas.microsoft.com/office/drawing/2014/main" id="{FC8C82F3-94EE-4B4F-A01D-993A41BC00B1}"/>
+                <a16:creationId xmlns:a16="http://schemas.microsoft.com/office/drawing/2014/main" xmlns="" id="{FC8C82F3-94EE-4B4F-A01D-993A41BC00B1}"/>
               </a:ext>
             </a:extLst>
           </p:cNvPr>
@@ -7449,7 +7449,7 @@
   </p:clrMapOvr>
   <p:extLst mod="1">
     <p:ext uri="{DCECCB84-F9BA-43D5-87BE-67443E8EF086}">
-      <p15:sldGuideLst xmlns:p15="http://schemas.microsoft.com/office/powerpoint/2012/main">
+      <p15:sldGuideLst xmlns:p15="http://schemas.microsoft.com/office/powerpoint/2012/main" xmlns="">
         <p15:guide id="1" orient="horz" pos="2183" userDrawn="1">
           <p15:clr>
             <a:srgbClr val="FBAE40"/>
@@ -7508,7 +7508,7 @@
           <p:cNvPr id="3" name="Content Placeholder 2" title="Bullet Points">
             <a:extLst>
               <a:ext uri="{FF2B5EF4-FFF2-40B4-BE49-F238E27FC236}">
-                <a16:creationId xmlns:a16="http://schemas.microsoft.com/office/drawing/2014/main" id="{BFD7EA17-BE66-4636-9684-F93562587911}"/>
+                <a16:creationId xmlns:a16="http://schemas.microsoft.com/office/drawing/2014/main" xmlns="" id="{BFD7EA17-BE66-4636-9684-F93562587911}"/>
               </a:ext>
             </a:extLst>
           </p:cNvPr>
@@ -7637,7 +7637,7 @@
           <p:cNvPr id="24" name="Right Triangle 23">
             <a:extLst>
               <a:ext uri="{FF2B5EF4-FFF2-40B4-BE49-F238E27FC236}">
-                <a16:creationId xmlns:a16="http://schemas.microsoft.com/office/drawing/2014/main" id="{BD6ACE60-499D-41AB-89C4-D537D7C3D22A}"/>
+                <a16:creationId xmlns:a16="http://schemas.microsoft.com/office/drawing/2014/main" xmlns="" id="{BD6ACE60-499D-41AB-89C4-D537D7C3D22A}"/>
               </a:ext>
             </a:extLst>
           </p:cNvPr>
@@ -7692,7 +7692,7 @@
           <p:cNvPr id="25" name="Parallelogram 24">
             <a:extLst>
               <a:ext uri="{FF2B5EF4-FFF2-40B4-BE49-F238E27FC236}">
-                <a16:creationId xmlns:a16="http://schemas.microsoft.com/office/drawing/2014/main" id="{18C08F43-D42B-4CF1-912F-BC83D72AB415}"/>
+                <a16:creationId xmlns:a16="http://schemas.microsoft.com/office/drawing/2014/main" xmlns="" id="{18C08F43-D42B-4CF1-912F-BC83D72AB415}"/>
               </a:ext>
             </a:extLst>
           </p:cNvPr>
@@ -7751,7 +7751,7 @@
           <p:cNvPr id="34" name="Straight Connector 33">
             <a:extLst>
               <a:ext uri="{FF2B5EF4-FFF2-40B4-BE49-F238E27FC236}">
-                <a16:creationId xmlns:a16="http://schemas.microsoft.com/office/drawing/2014/main" id="{1411C731-2333-41B0-927A-0A48EEC79964}"/>
+                <a16:creationId xmlns:a16="http://schemas.microsoft.com/office/drawing/2014/main" xmlns="" id="{1411C731-2333-41B0-927A-0A48EEC79964}"/>
               </a:ext>
             </a:extLst>
           </p:cNvPr>
@@ -7794,7 +7794,7 @@
           <p:cNvPr id="5" name="Text Placeholder 4" title="Subtitle">
             <a:extLst>
               <a:ext uri="{FF2B5EF4-FFF2-40B4-BE49-F238E27FC236}">
-                <a16:creationId xmlns:a16="http://schemas.microsoft.com/office/drawing/2014/main" id="{D71EE635-EA0C-4139-8160-AE1EAD13AAEB}"/>
+                <a16:creationId xmlns:a16="http://schemas.microsoft.com/office/drawing/2014/main" xmlns="" id="{D71EE635-EA0C-4139-8160-AE1EAD13AAEB}"/>
               </a:ext>
             </a:extLst>
           </p:cNvPr>
@@ -7844,7 +7844,7 @@
           <p:cNvPr id="2" name="Title 1" title="Title ">
             <a:extLst>
               <a:ext uri="{FF2B5EF4-FFF2-40B4-BE49-F238E27FC236}">
-                <a16:creationId xmlns:a16="http://schemas.microsoft.com/office/drawing/2014/main" id="{20237B57-91C6-4F8B-8AA0-18FA50B0FD1D}"/>
+                <a16:creationId xmlns:a16="http://schemas.microsoft.com/office/drawing/2014/main" xmlns="" id="{20237B57-91C6-4F8B-8AA0-18FA50B0FD1D}"/>
               </a:ext>
             </a:extLst>
           </p:cNvPr>
@@ -7898,7 +7898,7 @@
           <p:cNvPr id="15" name="Picture Placeholder 14">
             <a:extLst>
               <a:ext uri="{FF2B5EF4-FFF2-40B4-BE49-F238E27FC236}">
-                <a16:creationId xmlns:a16="http://schemas.microsoft.com/office/drawing/2014/main" id="{FE1FADFB-0A3D-40F7-9B40-368DECD971E1}"/>
+                <a16:creationId xmlns:a16="http://schemas.microsoft.com/office/drawing/2014/main" xmlns="" id="{FE1FADFB-0A3D-40F7-9B40-368DECD971E1}"/>
               </a:ext>
             </a:extLst>
           </p:cNvPr>
@@ -8093,7 +8093,7 @@
           <p:cNvPr id="4" name="Footer Placeholder 3">
             <a:extLst>
               <a:ext uri="{FF2B5EF4-FFF2-40B4-BE49-F238E27FC236}">
-                <a16:creationId xmlns:a16="http://schemas.microsoft.com/office/drawing/2014/main" id="{5ADB14A5-A767-774C-85B8-68EF914689F6}"/>
+                <a16:creationId xmlns:a16="http://schemas.microsoft.com/office/drawing/2014/main" xmlns="" id="{5ADB14A5-A767-774C-85B8-68EF914689F6}"/>
               </a:ext>
             </a:extLst>
           </p:cNvPr>
@@ -8121,7 +8121,7 @@
           <p:cNvPr id="6" name="Slide Number Placeholder 5">
             <a:extLst>
               <a:ext uri="{FF2B5EF4-FFF2-40B4-BE49-F238E27FC236}">
-                <a16:creationId xmlns:a16="http://schemas.microsoft.com/office/drawing/2014/main" id="{D4B9B51B-EAA9-4B4D-A4F6-470CD95DAA79}"/>
+                <a16:creationId xmlns:a16="http://schemas.microsoft.com/office/drawing/2014/main" xmlns="" id="{D4B9B51B-EAA9-4B4D-A4F6-470CD95DAA79}"/>
               </a:ext>
             </a:extLst>
           </p:cNvPr>
@@ -8157,7 +8157,7 @@
   </p:clrMapOvr>
   <p:extLst mod="1">
     <p:ext uri="{DCECCB84-F9BA-43D5-87BE-67443E8EF086}">
-      <p15:sldGuideLst xmlns:p15="http://schemas.microsoft.com/office/powerpoint/2012/main">
+      <p15:sldGuideLst xmlns:p15="http://schemas.microsoft.com/office/powerpoint/2012/main" xmlns="">
         <p15:guide id="1" orient="horz" pos="142">
           <p15:clr>
             <a:srgbClr val="FBAE40"/>
@@ -8201,7 +8201,7 @@
           <p:cNvPr id="35" name="Right Triangle 34">
             <a:extLst>
               <a:ext uri="{FF2B5EF4-FFF2-40B4-BE49-F238E27FC236}">
-                <a16:creationId xmlns:a16="http://schemas.microsoft.com/office/drawing/2014/main" id="{805F1696-7D6B-4055-94C3-E4C179F63596}"/>
+                <a16:creationId xmlns:a16="http://schemas.microsoft.com/office/drawing/2014/main" xmlns="" id="{805F1696-7D6B-4055-94C3-E4C179F63596}"/>
               </a:ext>
             </a:extLst>
           </p:cNvPr>
@@ -8253,7 +8253,7 @@
           <p:cNvPr id="18" name="Picture Placeholder 17">
             <a:extLst>
               <a:ext uri="{FF2B5EF4-FFF2-40B4-BE49-F238E27FC236}">
-                <a16:creationId xmlns:a16="http://schemas.microsoft.com/office/drawing/2014/main" id="{8B9EC3A9-7039-403A-9414-429521308AE7}"/>
+                <a16:creationId xmlns:a16="http://schemas.microsoft.com/office/drawing/2014/main" xmlns="" id="{8B9EC3A9-7039-403A-9414-429521308AE7}"/>
               </a:ext>
             </a:extLst>
           </p:cNvPr>
@@ -8341,7 +8341,7 @@
           <p:cNvPr id="3" name="Content Placeholder 2" title="Bullet Points">
             <a:extLst>
               <a:ext uri="{FF2B5EF4-FFF2-40B4-BE49-F238E27FC236}">
-                <a16:creationId xmlns:a16="http://schemas.microsoft.com/office/drawing/2014/main" id="{BFD7EA17-BE66-4636-9684-F93562587911}"/>
+                <a16:creationId xmlns:a16="http://schemas.microsoft.com/office/drawing/2014/main" xmlns="" id="{BFD7EA17-BE66-4636-9684-F93562587911}"/>
               </a:ext>
             </a:extLst>
           </p:cNvPr>
@@ -8470,7 +8470,7 @@
           <p:cNvPr id="25" name="Parallelogram 24">
             <a:extLst>
               <a:ext uri="{FF2B5EF4-FFF2-40B4-BE49-F238E27FC236}">
-                <a16:creationId xmlns:a16="http://schemas.microsoft.com/office/drawing/2014/main" id="{18C08F43-D42B-4CF1-912F-BC83D72AB415}"/>
+                <a16:creationId xmlns:a16="http://schemas.microsoft.com/office/drawing/2014/main" xmlns="" id="{18C08F43-D42B-4CF1-912F-BC83D72AB415}"/>
               </a:ext>
             </a:extLst>
           </p:cNvPr>
@@ -8529,7 +8529,7 @@
           <p:cNvPr id="34" name="Straight Connector 33">
             <a:extLst>
               <a:ext uri="{FF2B5EF4-FFF2-40B4-BE49-F238E27FC236}">
-                <a16:creationId xmlns:a16="http://schemas.microsoft.com/office/drawing/2014/main" id="{1411C731-2333-41B0-927A-0A48EEC79964}"/>
+                <a16:creationId xmlns:a16="http://schemas.microsoft.com/office/drawing/2014/main" xmlns="" id="{1411C731-2333-41B0-927A-0A48EEC79964}"/>
               </a:ext>
             </a:extLst>
           </p:cNvPr>
@@ -8572,7 +8572,7 @@
           <p:cNvPr id="5" name="Text Placeholder 4" title="Subtitle">
             <a:extLst>
               <a:ext uri="{FF2B5EF4-FFF2-40B4-BE49-F238E27FC236}">
-                <a16:creationId xmlns:a16="http://schemas.microsoft.com/office/drawing/2014/main" id="{D71EE635-EA0C-4139-8160-AE1EAD13AAEB}"/>
+                <a16:creationId xmlns:a16="http://schemas.microsoft.com/office/drawing/2014/main" xmlns="" id="{D71EE635-EA0C-4139-8160-AE1EAD13AAEB}"/>
               </a:ext>
             </a:extLst>
           </p:cNvPr>
@@ -8624,7 +8624,7 @@
           <p:cNvPr id="19" name="Title 1" title="Title ">
             <a:extLst>
               <a:ext uri="{FF2B5EF4-FFF2-40B4-BE49-F238E27FC236}">
-                <a16:creationId xmlns:a16="http://schemas.microsoft.com/office/drawing/2014/main" id="{2DB9D671-9FC8-4306-96B7-D9D585694B83}"/>
+                <a16:creationId xmlns:a16="http://schemas.microsoft.com/office/drawing/2014/main" xmlns="" id="{2DB9D671-9FC8-4306-96B7-D9D585694B83}"/>
               </a:ext>
             </a:extLst>
           </p:cNvPr>
@@ -8678,7 +8678,7 @@
           <p:cNvPr id="2" name="Footer Placeholder 1">
             <a:extLst>
               <a:ext uri="{FF2B5EF4-FFF2-40B4-BE49-F238E27FC236}">
-                <a16:creationId xmlns:a16="http://schemas.microsoft.com/office/drawing/2014/main" id="{6E55A0B9-F639-8643-9C4D-B93B8EE21A79}"/>
+                <a16:creationId xmlns:a16="http://schemas.microsoft.com/office/drawing/2014/main" xmlns="" id="{6E55A0B9-F639-8643-9C4D-B93B8EE21A79}"/>
               </a:ext>
             </a:extLst>
           </p:cNvPr>
@@ -8706,7 +8706,7 @@
           <p:cNvPr id="4" name="Slide Number Placeholder 3">
             <a:extLst>
               <a:ext uri="{FF2B5EF4-FFF2-40B4-BE49-F238E27FC236}">
-                <a16:creationId xmlns:a16="http://schemas.microsoft.com/office/drawing/2014/main" id="{D0C29282-8AC7-494D-9A8E-A26C7F69948F}"/>
+                <a16:creationId xmlns:a16="http://schemas.microsoft.com/office/drawing/2014/main" xmlns="" id="{D0C29282-8AC7-494D-9A8E-A26C7F69948F}"/>
               </a:ext>
             </a:extLst>
           </p:cNvPr>
@@ -8735,7 +8735,7 @@
           <p:cNvPr id="7" name="Picture 6">
             <a:extLst>
               <a:ext uri="{FF2B5EF4-FFF2-40B4-BE49-F238E27FC236}">
-                <a16:creationId xmlns:a16="http://schemas.microsoft.com/office/drawing/2014/main" id="{3E684F51-16CF-473B-84CC-9ACAE3981817}"/>
+                <a16:creationId xmlns:a16="http://schemas.microsoft.com/office/drawing/2014/main" xmlns="" id="{3E684F51-16CF-473B-84CC-9ACAE3981817}"/>
               </a:ext>
             </a:extLst>
           </p:cNvPr>
@@ -8772,7 +8772,7 @@
   </p:clrMapOvr>
   <p:extLst mod="1">
     <p:ext uri="{DCECCB84-F9BA-43D5-87BE-67443E8EF086}">
-      <p15:sldGuideLst xmlns:p15="http://schemas.microsoft.com/office/powerpoint/2012/main">
+      <p15:sldGuideLst xmlns:p15="http://schemas.microsoft.com/office/powerpoint/2012/main" xmlns="">
         <p15:guide id="1" orient="horz" pos="142">
           <p15:clr>
             <a:srgbClr val="FBAE40"/>
@@ -8816,7 +8816,7 @@
           <p:cNvPr id="22" name="Straight Connector 21">
             <a:extLst>
               <a:ext uri="{FF2B5EF4-FFF2-40B4-BE49-F238E27FC236}">
-                <a16:creationId xmlns:a16="http://schemas.microsoft.com/office/drawing/2014/main" id="{01AF1CF9-9F46-4541-8FF1-B9C53244EE1A}"/>
+                <a16:creationId xmlns:a16="http://schemas.microsoft.com/office/drawing/2014/main" xmlns="" id="{01AF1CF9-9F46-4541-8FF1-B9C53244EE1A}"/>
               </a:ext>
             </a:extLst>
           </p:cNvPr>
@@ -8859,7 +8859,7 @@
           <p:cNvPr id="23" name="Group 22">
             <a:extLst>
               <a:ext uri="{FF2B5EF4-FFF2-40B4-BE49-F238E27FC236}">
-                <a16:creationId xmlns:a16="http://schemas.microsoft.com/office/drawing/2014/main" id="{AB0E1BA4-80FE-4826-BA2F-083C3A5BB7FA}"/>
+                <a16:creationId xmlns:a16="http://schemas.microsoft.com/office/drawing/2014/main" xmlns="" id="{AB0E1BA4-80FE-4826-BA2F-083C3A5BB7FA}"/>
               </a:ext>
             </a:extLst>
           </p:cNvPr>
@@ -8879,7 +8879,7 @@
             <p:cNvPr id="26" name="Diagonal Stripe 25">
               <a:extLst>
                 <a:ext uri="{FF2B5EF4-FFF2-40B4-BE49-F238E27FC236}">
-                  <a16:creationId xmlns:a16="http://schemas.microsoft.com/office/drawing/2014/main" id="{0697993E-CD44-40B9-805C-77BC608618A7}"/>
+                  <a16:creationId xmlns:a16="http://schemas.microsoft.com/office/drawing/2014/main" xmlns="" id="{0697993E-CD44-40B9-805C-77BC608618A7}"/>
                 </a:ext>
               </a:extLst>
             </p:cNvPr>
@@ -8937,7 +8937,7 @@
             <p:cNvPr id="28" name="Straight Connector 27">
               <a:extLst>
                 <a:ext uri="{FF2B5EF4-FFF2-40B4-BE49-F238E27FC236}">
-                  <a16:creationId xmlns:a16="http://schemas.microsoft.com/office/drawing/2014/main" id="{DDBD869A-51AE-4AC9-A3E0-38E8C732B1E8}"/>
+                  <a16:creationId xmlns:a16="http://schemas.microsoft.com/office/drawing/2014/main" xmlns="" id="{DDBD869A-51AE-4AC9-A3E0-38E8C732B1E8}"/>
                 </a:ext>
               </a:extLst>
             </p:cNvPr>
@@ -8982,7 +8982,7 @@
             <p:cNvPr id="30" name="Parallelogram 29">
               <a:extLst>
                 <a:ext uri="{FF2B5EF4-FFF2-40B4-BE49-F238E27FC236}">
-                  <a16:creationId xmlns:a16="http://schemas.microsoft.com/office/drawing/2014/main" id="{DE18C3B6-28E6-4BBC-B634-F81DE5A9D13C}"/>
+                  <a16:creationId xmlns:a16="http://schemas.microsoft.com/office/drawing/2014/main" xmlns="" id="{DE18C3B6-28E6-4BBC-B634-F81DE5A9D13C}"/>
                 </a:ext>
               </a:extLst>
             </p:cNvPr>
@@ -9037,7 +9037,7 @@
           <p:cNvPr id="17" name="Text Placeholder 2">
             <a:extLst>
               <a:ext uri="{FF2B5EF4-FFF2-40B4-BE49-F238E27FC236}">
-                <a16:creationId xmlns:a16="http://schemas.microsoft.com/office/drawing/2014/main" id="{B2E19FBD-2379-4B3B-910D-F51E007CB63F}"/>
+                <a16:creationId xmlns:a16="http://schemas.microsoft.com/office/drawing/2014/main" xmlns="" id="{B2E19FBD-2379-4B3B-910D-F51E007CB63F}"/>
               </a:ext>
             </a:extLst>
           </p:cNvPr>
@@ -9123,7 +9123,7 @@
           <p:cNvPr id="18" name="Content Placeholder 3" title="Bullet Points">
             <a:extLst>
               <a:ext uri="{FF2B5EF4-FFF2-40B4-BE49-F238E27FC236}">
-                <a16:creationId xmlns:a16="http://schemas.microsoft.com/office/drawing/2014/main" id="{8715E757-6584-4841-8154-C92E70E0CD6B}"/>
+                <a16:creationId xmlns:a16="http://schemas.microsoft.com/office/drawing/2014/main" xmlns="" id="{8715E757-6584-4841-8154-C92E70E0CD6B}"/>
               </a:ext>
             </a:extLst>
           </p:cNvPr>
@@ -9247,7 +9247,7 @@
           <p:cNvPr id="19" name="Text Placeholder 4">
             <a:extLst>
               <a:ext uri="{FF2B5EF4-FFF2-40B4-BE49-F238E27FC236}">
-                <a16:creationId xmlns:a16="http://schemas.microsoft.com/office/drawing/2014/main" id="{47CDC5A2-8836-4ED3-8E78-18C24853D882}"/>
+                <a16:creationId xmlns:a16="http://schemas.microsoft.com/office/drawing/2014/main" xmlns="" id="{47CDC5A2-8836-4ED3-8E78-18C24853D882}"/>
               </a:ext>
             </a:extLst>
           </p:cNvPr>
@@ -9330,7 +9330,7 @@
           <p:cNvPr id="20" name="Content Placeholder 5" title="Bullet Points">
             <a:extLst>
               <a:ext uri="{FF2B5EF4-FFF2-40B4-BE49-F238E27FC236}">
-                <a16:creationId xmlns:a16="http://schemas.microsoft.com/office/drawing/2014/main" id="{D957FBD7-2C3C-4DD1-954F-DF1E007BE590}"/>
+                <a16:creationId xmlns:a16="http://schemas.microsoft.com/office/drawing/2014/main" xmlns="" id="{D957FBD7-2C3C-4DD1-954F-DF1E007BE590}"/>
               </a:ext>
             </a:extLst>
           </p:cNvPr>
@@ -9454,7 +9454,7 @@
           <p:cNvPr id="24" name="Text Placeholder 4" title="Subtitle">
             <a:extLst>
               <a:ext uri="{FF2B5EF4-FFF2-40B4-BE49-F238E27FC236}">
-                <a16:creationId xmlns:a16="http://schemas.microsoft.com/office/drawing/2014/main" id="{77DB65FF-A89E-4562-8251-2BB63EFDD28E}"/>
+                <a16:creationId xmlns:a16="http://schemas.microsoft.com/office/drawing/2014/main" xmlns="" id="{77DB65FF-A89E-4562-8251-2BB63EFDD28E}"/>
               </a:ext>
             </a:extLst>
           </p:cNvPr>
@@ -9504,7 +9504,7 @@
           <p:cNvPr id="36" name="Parallelogram 35">
             <a:extLst>
               <a:ext uri="{FF2B5EF4-FFF2-40B4-BE49-F238E27FC236}">
-                <a16:creationId xmlns:a16="http://schemas.microsoft.com/office/drawing/2014/main" id="{4EBB76E7-943E-4038-B700-114F66FBC609}"/>
+                <a16:creationId xmlns:a16="http://schemas.microsoft.com/office/drawing/2014/main" xmlns="" id="{4EBB76E7-943E-4038-B700-114F66FBC609}"/>
               </a:ext>
             </a:extLst>
           </p:cNvPr>
@@ -9563,7 +9563,7 @@
           <p:cNvPr id="2" name="Footer Placeholder 1">
             <a:extLst>
               <a:ext uri="{FF2B5EF4-FFF2-40B4-BE49-F238E27FC236}">
-                <a16:creationId xmlns:a16="http://schemas.microsoft.com/office/drawing/2014/main" id="{03E79E9C-D961-6E47-A5C6-57689BAFF243}"/>
+                <a16:creationId xmlns:a16="http://schemas.microsoft.com/office/drawing/2014/main" xmlns="" id="{03E79E9C-D961-6E47-A5C6-57689BAFF243}"/>
               </a:ext>
             </a:extLst>
           </p:cNvPr>
@@ -9595,7 +9595,7 @@
           <p:cNvPr id="3" name="Slide Number Placeholder 2">
             <a:extLst>
               <a:ext uri="{FF2B5EF4-FFF2-40B4-BE49-F238E27FC236}">
-                <a16:creationId xmlns:a16="http://schemas.microsoft.com/office/drawing/2014/main" id="{B08BE157-60F2-194D-8C13-4AE120FC9EDE}"/>
+                <a16:creationId xmlns:a16="http://schemas.microsoft.com/office/drawing/2014/main" xmlns="" id="{B08BE157-60F2-194D-8C13-4AE120FC9EDE}"/>
               </a:ext>
             </a:extLst>
           </p:cNvPr>
@@ -9624,7 +9624,7 @@
           <p:cNvPr id="27" name="Title 1" title="Title ">
             <a:extLst>
               <a:ext uri="{FF2B5EF4-FFF2-40B4-BE49-F238E27FC236}">
-                <a16:creationId xmlns:a16="http://schemas.microsoft.com/office/drawing/2014/main" id="{C3CC34F4-862A-42E7-B2FA-7B511CC2E879}"/>
+                <a16:creationId xmlns:a16="http://schemas.microsoft.com/office/drawing/2014/main" xmlns="" id="{C3CC34F4-862A-42E7-B2FA-7B511CC2E879}"/>
               </a:ext>
             </a:extLst>
           </p:cNvPr>
@@ -9671,7 +9671,7 @@
           <p:cNvPr id="5" name="Picture 4">
             <a:extLst>
               <a:ext uri="{FF2B5EF4-FFF2-40B4-BE49-F238E27FC236}">
-                <a16:creationId xmlns:a16="http://schemas.microsoft.com/office/drawing/2014/main" id="{CC5AB657-D3E4-436D-A725-E99D8071C89E}"/>
+                <a16:creationId xmlns:a16="http://schemas.microsoft.com/office/drawing/2014/main" xmlns="" id="{CC5AB657-D3E4-436D-A725-E99D8071C89E}"/>
               </a:ext>
             </a:extLst>
           </p:cNvPr>
@@ -9708,7 +9708,7 @@
   </p:clrMapOvr>
   <p:extLst mod="1">
     <p:ext uri="{DCECCB84-F9BA-43D5-87BE-67443E8EF086}">
-      <p15:sldGuideLst xmlns:p15="http://schemas.microsoft.com/office/powerpoint/2012/main">
+      <p15:sldGuideLst xmlns:p15="http://schemas.microsoft.com/office/powerpoint/2012/main" xmlns="">
         <p15:guide id="1" orient="horz" pos="2160">
           <p15:clr>
             <a:srgbClr val="FBAE40"/>
@@ -9762,7 +9762,7 @@
           <p:cNvPr id="28" name="Group 27">
             <a:extLst>
               <a:ext uri="{FF2B5EF4-FFF2-40B4-BE49-F238E27FC236}">
-                <a16:creationId xmlns:a16="http://schemas.microsoft.com/office/drawing/2014/main" id="{5806E656-313A-47B1-B381-D004200F7A01}"/>
+                <a16:creationId xmlns:a16="http://schemas.microsoft.com/office/drawing/2014/main" xmlns="" id="{5806E656-313A-47B1-B381-D004200F7A01}"/>
               </a:ext>
             </a:extLst>
           </p:cNvPr>
@@ -9782,7 +9782,7 @@
             <p:cNvPr id="29" name="Diagonal Stripe 28">
               <a:extLst>
                 <a:ext uri="{FF2B5EF4-FFF2-40B4-BE49-F238E27FC236}">
-                  <a16:creationId xmlns:a16="http://schemas.microsoft.com/office/drawing/2014/main" id="{65F8E2DA-4BB4-4421-9172-A11AF38DFEF4}"/>
+                  <a16:creationId xmlns:a16="http://schemas.microsoft.com/office/drawing/2014/main" xmlns="" id="{65F8E2DA-4BB4-4421-9172-A11AF38DFEF4}"/>
                 </a:ext>
               </a:extLst>
             </p:cNvPr>
@@ -9840,7 +9840,7 @@
             <p:cNvPr id="30" name="Straight Connector 29">
               <a:extLst>
                 <a:ext uri="{FF2B5EF4-FFF2-40B4-BE49-F238E27FC236}">
-                  <a16:creationId xmlns:a16="http://schemas.microsoft.com/office/drawing/2014/main" id="{6EDB47F2-B6A7-40B4-8A2C-06719F75C085}"/>
+                  <a16:creationId xmlns:a16="http://schemas.microsoft.com/office/drawing/2014/main" xmlns="" id="{6EDB47F2-B6A7-40B4-8A2C-06719F75C085}"/>
                 </a:ext>
               </a:extLst>
             </p:cNvPr>
@@ -9885,7 +9885,7 @@
             <p:cNvPr id="31" name="Parallelogram 30">
               <a:extLst>
                 <a:ext uri="{FF2B5EF4-FFF2-40B4-BE49-F238E27FC236}">
-                  <a16:creationId xmlns:a16="http://schemas.microsoft.com/office/drawing/2014/main" id="{B188E7A9-2351-4B68-98B8-10099CB39CD2}"/>
+                  <a16:creationId xmlns:a16="http://schemas.microsoft.com/office/drawing/2014/main" xmlns="" id="{B188E7A9-2351-4B68-98B8-10099CB39CD2}"/>
                 </a:ext>
               </a:extLst>
             </p:cNvPr>
@@ -9940,7 +9940,7 @@
           <p:cNvPr id="33" name="Parallelogram 32">
             <a:extLst>
               <a:ext uri="{FF2B5EF4-FFF2-40B4-BE49-F238E27FC236}">
-                <a16:creationId xmlns:a16="http://schemas.microsoft.com/office/drawing/2014/main" id="{F088C182-BF10-45B2-B159-7702E00D31D4}"/>
+                <a16:creationId xmlns:a16="http://schemas.microsoft.com/office/drawing/2014/main" xmlns="" id="{F088C182-BF10-45B2-B159-7702E00D31D4}"/>
               </a:ext>
             </a:extLst>
           </p:cNvPr>
@@ -9999,7 +9999,7 @@
           <p:cNvPr id="34" name="Text Placeholder 4" title="Subtitle">
             <a:extLst>
               <a:ext uri="{FF2B5EF4-FFF2-40B4-BE49-F238E27FC236}">
-                <a16:creationId xmlns:a16="http://schemas.microsoft.com/office/drawing/2014/main" id="{FB561B16-2788-452A-B7AF-A482256DCDF2}"/>
+                <a16:creationId xmlns:a16="http://schemas.microsoft.com/office/drawing/2014/main" xmlns="" id="{FB561B16-2788-452A-B7AF-A482256DCDF2}"/>
               </a:ext>
             </a:extLst>
           </p:cNvPr>
@@ -10049,7 +10049,7 @@
           <p:cNvPr id="2" name="Footer Placeholder 1">
             <a:extLst>
               <a:ext uri="{FF2B5EF4-FFF2-40B4-BE49-F238E27FC236}">
-                <a16:creationId xmlns:a16="http://schemas.microsoft.com/office/drawing/2014/main" id="{D6990C03-1647-2044-B335-6F5F19E4E5FC}"/>
+                <a16:creationId xmlns:a16="http://schemas.microsoft.com/office/drawing/2014/main" xmlns="" id="{D6990C03-1647-2044-B335-6F5F19E4E5FC}"/>
               </a:ext>
             </a:extLst>
           </p:cNvPr>
@@ -10077,7 +10077,7 @@
           <p:cNvPr id="3" name="Slide Number Placeholder 2">
             <a:extLst>
               <a:ext uri="{FF2B5EF4-FFF2-40B4-BE49-F238E27FC236}">
-                <a16:creationId xmlns:a16="http://schemas.microsoft.com/office/drawing/2014/main" id="{4F03A7CC-E6DC-1544-BE55-15EC1718B77C}"/>
+                <a16:creationId xmlns:a16="http://schemas.microsoft.com/office/drawing/2014/main" xmlns="" id="{4F03A7CC-E6DC-1544-BE55-15EC1718B77C}"/>
               </a:ext>
             </a:extLst>
           </p:cNvPr>
@@ -10106,7 +10106,7 @@
           <p:cNvPr id="17" name="Title 1" title="Title ">
             <a:extLst>
               <a:ext uri="{FF2B5EF4-FFF2-40B4-BE49-F238E27FC236}">
-                <a16:creationId xmlns:a16="http://schemas.microsoft.com/office/drawing/2014/main" id="{BDEC780E-6412-1344-A62E-6B84E9CCB678}"/>
+                <a16:creationId xmlns:a16="http://schemas.microsoft.com/office/drawing/2014/main" xmlns="" id="{BDEC780E-6412-1344-A62E-6B84E9CCB678}"/>
               </a:ext>
             </a:extLst>
           </p:cNvPr>
@@ -10153,7 +10153,7 @@
           <p:cNvPr id="5" name="Text Placeholder 4">
             <a:extLst>
               <a:ext uri="{FF2B5EF4-FFF2-40B4-BE49-F238E27FC236}">
-                <a16:creationId xmlns:a16="http://schemas.microsoft.com/office/drawing/2014/main" id="{2C82AC85-33B6-2B49-8BF4-08414444375C}"/>
+                <a16:creationId xmlns:a16="http://schemas.microsoft.com/office/drawing/2014/main" xmlns="" id="{2C82AC85-33B6-2B49-8BF4-08414444375C}"/>
               </a:ext>
             </a:extLst>
           </p:cNvPr>
@@ -10231,7 +10231,7 @@
           <p:cNvPr id="20" name="Chart Placeholder 2" title="Chart">
             <a:extLst>
               <a:ext uri="{FF2B5EF4-FFF2-40B4-BE49-F238E27FC236}">
-                <a16:creationId xmlns:a16="http://schemas.microsoft.com/office/drawing/2014/main" id="{0EF0FD2A-B62A-4931-846D-2602DED26606}"/>
+                <a16:creationId xmlns:a16="http://schemas.microsoft.com/office/drawing/2014/main" xmlns="" id="{0EF0FD2A-B62A-4931-846D-2602DED26606}"/>
               </a:ext>
             </a:extLst>
           </p:cNvPr>
@@ -10282,7 +10282,7 @@
           <p:cNvPr id="6" name="Picture 5">
             <a:extLst>
               <a:ext uri="{FF2B5EF4-FFF2-40B4-BE49-F238E27FC236}">
-                <a16:creationId xmlns:a16="http://schemas.microsoft.com/office/drawing/2014/main" id="{BC616634-829C-4DC6-ADD3-9E0FA9B53FF7}"/>
+                <a16:creationId xmlns:a16="http://schemas.microsoft.com/office/drawing/2014/main" xmlns="" id="{BC616634-829C-4DC6-ADD3-9E0FA9B53FF7}"/>
               </a:ext>
             </a:extLst>
           </p:cNvPr>
@@ -10319,7 +10319,7 @@
   </p:clrMapOvr>
   <p:extLst mod="1">
     <p:ext uri="{DCECCB84-F9BA-43D5-87BE-67443E8EF086}">
-      <p15:sldGuideLst xmlns:p15="http://schemas.microsoft.com/office/powerpoint/2012/main">
+      <p15:sldGuideLst xmlns:p15="http://schemas.microsoft.com/office/powerpoint/2012/main" xmlns="">
         <p15:guide id="1" orient="horz" pos="142">
           <p15:clr>
             <a:srgbClr val="FBAE40"/>
@@ -10363,7 +10363,7 @@
           <p:cNvPr id="15" name="Table Placeholder 11" title="Table">
             <a:extLst>
               <a:ext uri="{FF2B5EF4-FFF2-40B4-BE49-F238E27FC236}">
-                <a16:creationId xmlns:a16="http://schemas.microsoft.com/office/drawing/2014/main" id="{7CD3E31F-0AF8-4EB8-B6FA-BD95A2EDA63B}"/>
+                <a16:creationId xmlns:a16="http://schemas.microsoft.com/office/drawing/2014/main" xmlns="" id="{7CD3E31F-0AF8-4EB8-B6FA-BD95A2EDA63B}"/>
               </a:ext>
             </a:extLst>
           </p:cNvPr>
@@ -10413,7 +10413,7 @@
           <p:cNvPr id="26" name="Group 25">
             <a:extLst>
               <a:ext uri="{FF2B5EF4-FFF2-40B4-BE49-F238E27FC236}">
-                <a16:creationId xmlns:a16="http://schemas.microsoft.com/office/drawing/2014/main" id="{36C8A74F-FDDF-48E8-AC2B-A5BD59D7D6A3}"/>
+                <a16:creationId xmlns:a16="http://schemas.microsoft.com/office/drawing/2014/main" xmlns="" id="{36C8A74F-FDDF-48E8-AC2B-A5BD59D7D6A3}"/>
               </a:ext>
             </a:extLst>
           </p:cNvPr>
@@ -10433,7 +10433,7 @@
             <p:cNvPr id="27" name="Diagonal Stripe 26">
               <a:extLst>
                 <a:ext uri="{FF2B5EF4-FFF2-40B4-BE49-F238E27FC236}">
-                  <a16:creationId xmlns:a16="http://schemas.microsoft.com/office/drawing/2014/main" id="{2D5247F3-E6EB-4003-B1FD-F6200F0738E5}"/>
+                  <a16:creationId xmlns:a16="http://schemas.microsoft.com/office/drawing/2014/main" xmlns="" id="{2D5247F3-E6EB-4003-B1FD-F6200F0738E5}"/>
                 </a:ext>
               </a:extLst>
             </p:cNvPr>
@@ -10491,7 +10491,7 @@
             <p:cNvPr id="28" name="Straight Connector 27">
               <a:extLst>
                 <a:ext uri="{FF2B5EF4-FFF2-40B4-BE49-F238E27FC236}">
-                  <a16:creationId xmlns:a16="http://schemas.microsoft.com/office/drawing/2014/main" id="{E9B7D995-9FB8-4461-8AAA-FA8B9A145B6B}"/>
+                  <a16:creationId xmlns:a16="http://schemas.microsoft.com/office/drawing/2014/main" xmlns="" id="{E9B7D995-9FB8-4461-8AAA-FA8B9A145B6B}"/>
                 </a:ext>
               </a:extLst>
             </p:cNvPr>
@@ -10536,7 +10536,7 @@
             <p:cNvPr id="33" name="Parallelogram 32">
               <a:extLst>
                 <a:ext uri="{FF2B5EF4-FFF2-40B4-BE49-F238E27FC236}">
-                  <a16:creationId xmlns:a16="http://schemas.microsoft.com/office/drawing/2014/main" id="{849B962F-68BC-4B89-B4D8-D862517534DF}"/>
+                  <a16:creationId xmlns:a16="http://schemas.microsoft.com/office/drawing/2014/main" xmlns="" id="{849B962F-68BC-4B89-B4D8-D862517534DF}"/>
                 </a:ext>
               </a:extLst>
             </p:cNvPr>
@@ -10591,7 +10591,7 @@
           <p:cNvPr id="36" name="Parallelogram 35">
             <a:extLst>
               <a:ext uri="{FF2B5EF4-FFF2-40B4-BE49-F238E27FC236}">
-                <a16:creationId xmlns:a16="http://schemas.microsoft.com/office/drawing/2014/main" id="{8006416B-866C-47E5-8480-109B40F9EAA9}"/>
+                <a16:creationId xmlns:a16="http://schemas.microsoft.com/office/drawing/2014/main" xmlns="" id="{8006416B-866C-47E5-8480-109B40F9EAA9}"/>
               </a:ext>
             </a:extLst>
           </p:cNvPr>
@@ -10650,7 +10650,7 @@
           <p:cNvPr id="37" name="Text Placeholder 4" title="Subtitle">
             <a:extLst>
               <a:ext uri="{FF2B5EF4-FFF2-40B4-BE49-F238E27FC236}">
-                <a16:creationId xmlns:a16="http://schemas.microsoft.com/office/drawing/2014/main" id="{FE79FAE9-2A8C-46BA-8738-44CBCF7294A9}"/>
+                <a16:creationId xmlns:a16="http://schemas.microsoft.com/office/drawing/2014/main" xmlns="" id="{FE79FAE9-2A8C-46BA-8738-44CBCF7294A9}"/>
               </a:ext>
             </a:extLst>
           </p:cNvPr>
@@ -10700,7 +10700,7 @@
           <p:cNvPr id="2" name="Footer Placeholder 1">
             <a:extLst>
               <a:ext uri="{FF2B5EF4-FFF2-40B4-BE49-F238E27FC236}">
-                <a16:creationId xmlns:a16="http://schemas.microsoft.com/office/drawing/2014/main" id="{5750A33E-CEFE-4D43-9554-513B01B1D3D9}"/>
+                <a16:creationId xmlns:a16="http://schemas.microsoft.com/office/drawing/2014/main" xmlns="" id="{5750A33E-CEFE-4D43-9554-513B01B1D3D9}"/>
               </a:ext>
             </a:extLst>
           </p:cNvPr>
@@ -10728,7 +10728,7 @@
           <p:cNvPr id="3" name="Slide Number Placeholder 2">
             <a:extLst>
               <a:ext uri="{FF2B5EF4-FFF2-40B4-BE49-F238E27FC236}">
-                <a16:creationId xmlns:a16="http://schemas.microsoft.com/office/drawing/2014/main" id="{4A960C75-8FA7-5740-9388-2B5112B2C5B9}"/>
+                <a16:creationId xmlns:a16="http://schemas.microsoft.com/office/drawing/2014/main" xmlns="" id="{4A960C75-8FA7-5740-9388-2B5112B2C5B9}"/>
               </a:ext>
             </a:extLst>
           </p:cNvPr>
@@ -10757,7 +10757,7 @@
           <p:cNvPr id="17" name="Title 1" title="Title ">
             <a:extLst>
               <a:ext uri="{FF2B5EF4-FFF2-40B4-BE49-F238E27FC236}">
-                <a16:creationId xmlns:a16="http://schemas.microsoft.com/office/drawing/2014/main" id="{0F525D04-A814-7A4D-9732-11097EA76257}"/>
+                <a16:creationId xmlns:a16="http://schemas.microsoft.com/office/drawing/2014/main" xmlns="" id="{0F525D04-A814-7A4D-9732-11097EA76257}"/>
               </a:ext>
             </a:extLst>
           </p:cNvPr>
@@ -10804,7 +10804,7 @@
           <p:cNvPr id="5" name="Picture 4">
             <a:extLst>
               <a:ext uri="{FF2B5EF4-FFF2-40B4-BE49-F238E27FC236}">
-                <a16:creationId xmlns:a16="http://schemas.microsoft.com/office/drawing/2014/main" id="{D6524619-B09B-4594-95AF-5C21A4D3DBF5}"/>
+                <a16:creationId xmlns:a16="http://schemas.microsoft.com/office/drawing/2014/main" xmlns="" id="{D6524619-B09B-4594-95AF-5C21A4D3DBF5}"/>
               </a:ext>
             </a:extLst>
           </p:cNvPr>
@@ -10841,7 +10841,7 @@
   </p:clrMapOvr>
   <p:extLst mod="1">
     <p:ext uri="{DCECCB84-F9BA-43D5-87BE-67443E8EF086}">
-      <p15:sldGuideLst xmlns:p15="http://schemas.microsoft.com/office/powerpoint/2012/main">
+      <p15:sldGuideLst xmlns:p15="http://schemas.microsoft.com/office/powerpoint/2012/main" xmlns="">
         <p15:guide id="1" orient="horz" pos="142">
           <p15:clr>
             <a:srgbClr val="FBAE40"/>
@@ -10885,7 +10885,7 @@
           <p:cNvPr id="4" name="Right Triangle 3">
             <a:extLst>
               <a:ext uri="{FF2B5EF4-FFF2-40B4-BE49-F238E27FC236}">
-                <a16:creationId xmlns:a16="http://schemas.microsoft.com/office/drawing/2014/main" id="{79ED029D-F488-47E5-B064-0E35B31D23A5}"/>
+                <a16:creationId xmlns:a16="http://schemas.microsoft.com/office/drawing/2014/main" xmlns="" id="{79ED029D-F488-47E5-B064-0E35B31D23A5}"/>
               </a:ext>
             </a:extLst>
           </p:cNvPr>
@@ -10937,7 +10937,7 @@
           <p:cNvPr id="5" name="Picture Placeholder 31" title="Image">
             <a:extLst>
               <a:ext uri="{FF2B5EF4-FFF2-40B4-BE49-F238E27FC236}">
-                <a16:creationId xmlns:a16="http://schemas.microsoft.com/office/drawing/2014/main" id="{D683190A-95C6-428D-AEE4-FC8350C3246D}"/>
+                <a16:creationId xmlns:a16="http://schemas.microsoft.com/office/drawing/2014/main" xmlns="" id="{D683190A-95C6-428D-AEE4-FC8350C3246D}"/>
               </a:ext>
             </a:extLst>
           </p:cNvPr>
@@ -10986,7 +10986,7 @@
           <p:cNvPr id="6" name="Straight Connector 5">
             <a:extLst>
               <a:ext uri="{FF2B5EF4-FFF2-40B4-BE49-F238E27FC236}">
-                <a16:creationId xmlns:a16="http://schemas.microsoft.com/office/drawing/2014/main" id="{F78F4957-6DDE-40CE-9D33-00B1434FA085}"/>
+                <a16:creationId xmlns:a16="http://schemas.microsoft.com/office/drawing/2014/main" xmlns="" id="{F78F4957-6DDE-40CE-9D33-00B1434FA085}"/>
               </a:ext>
             </a:extLst>
           </p:cNvPr>
@@ -11031,7 +11031,7 @@
           <p:cNvPr id="9" name="Title 1" title="Title ">
             <a:extLst>
               <a:ext uri="{FF2B5EF4-FFF2-40B4-BE49-F238E27FC236}">
-                <a16:creationId xmlns:a16="http://schemas.microsoft.com/office/drawing/2014/main" id="{D9A8085F-72C4-4DFB-813E-C5666B0CCF3A}"/>
+                <a16:creationId xmlns:a16="http://schemas.microsoft.com/office/drawing/2014/main" xmlns="" id="{D9A8085F-72C4-4DFB-813E-C5666B0CCF3A}"/>
               </a:ext>
             </a:extLst>
           </p:cNvPr>
@@ -11090,7 +11090,7 @@
   </p:clrMapOvr>
   <p:extLst mod="1">
     <p:ext uri="{DCECCB84-F9BA-43D5-87BE-67443E8EF086}">
-      <p15:sldGuideLst xmlns:p15="http://schemas.microsoft.com/office/powerpoint/2012/main">
+      <p15:sldGuideLst xmlns:p15="http://schemas.microsoft.com/office/powerpoint/2012/main" xmlns="">
         <p15:guide id="1" orient="horz" pos="2160" userDrawn="1">
           <p15:clr>
             <a:srgbClr val="FBAE40"/>
@@ -11129,7 +11129,7 @@
           <p:cNvPr id="2" name="Title 1" title="Title">
             <a:extLst>
               <a:ext uri="{FF2B5EF4-FFF2-40B4-BE49-F238E27FC236}">
-                <a16:creationId xmlns:a16="http://schemas.microsoft.com/office/drawing/2014/main" id="{A648E0EA-49ED-4F2D-A107-8FCE6301FC88}"/>
+                <a16:creationId xmlns:a16="http://schemas.microsoft.com/office/drawing/2014/main" xmlns="" id="{A648E0EA-49ED-4F2D-A107-8FCE6301FC88}"/>
               </a:ext>
             </a:extLst>
           </p:cNvPr>
@@ -11176,7 +11176,7 @@
           <p:cNvPr id="9" name="Text Placeholder 3">
             <a:extLst>
               <a:ext uri="{FF2B5EF4-FFF2-40B4-BE49-F238E27FC236}">
-                <a16:creationId xmlns:a16="http://schemas.microsoft.com/office/drawing/2014/main" id="{A488AB73-8058-4FB5-9619-FCECCA9F3941}"/>
+                <a16:creationId xmlns:a16="http://schemas.microsoft.com/office/drawing/2014/main" xmlns="" id="{A488AB73-8058-4FB5-9619-FCECCA9F3941}"/>
               </a:ext>
             </a:extLst>
           </p:cNvPr>
@@ -11220,7 +11220,7 @@
           <p:cNvPr id="10" name="Text Placeholder 4">
             <a:extLst>
               <a:ext uri="{FF2B5EF4-FFF2-40B4-BE49-F238E27FC236}">
-                <a16:creationId xmlns:a16="http://schemas.microsoft.com/office/drawing/2014/main" id="{359BE165-3EB5-4C11-8B53-6E98C0BC2E65}"/>
+                <a16:creationId xmlns:a16="http://schemas.microsoft.com/office/drawing/2014/main" xmlns="" id="{359BE165-3EB5-4C11-8B53-6E98C0BC2E65}"/>
               </a:ext>
             </a:extLst>
           </p:cNvPr>
@@ -11264,7 +11264,7 @@
           <p:cNvPr id="11" name="Text Placeholder 5">
             <a:extLst>
               <a:ext uri="{FF2B5EF4-FFF2-40B4-BE49-F238E27FC236}">
-                <a16:creationId xmlns:a16="http://schemas.microsoft.com/office/drawing/2014/main" id="{79D05293-35AD-495F-A7AE-942398090B15}"/>
+                <a16:creationId xmlns:a16="http://schemas.microsoft.com/office/drawing/2014/main" xmlns="" id="{79D05293-35AD-495F-A7AE-942398090B15}"/>
               </a:ext>
             </a:extLst>
           </p:cNvPr>
@@ -11308,7 +11308,7 @@
           <p:cNvPr id="13" name="Text Placeholder 21">
             <a:extLst>
               <a:ext uri="{FF2B5EF4-FFF2-40B4-BE49-F238E27FC236}">
-                <a16:creationId xmlns:a16="http://schemas.microsoft.com/office/drawing/2014/main" id="{997A03F2-8D8A-4425-9F56-66DB33CE11A1}"/>
+                <a16:creationId xmlns:a16="http://schemas.microsoft.com/office/drawing/2014/main" xmlns="" id="{997A03F2-8D8A-4425-9F56-66DB33CE11A1}"/>
               </a:ext>
             </a:extLst>
           </p:cNvPr>
@@ -11352,7 +11352,7 @@
           <p:cNvPr id="14" name="Shape 4157">
             <a:extLst>
               <a:ext uri="{FF2B5EF4-FFF2-40B4-BE49-F238E27FC236}">
-                <a16:creationId xmlns:a16="http://schemas.microsoft.com/office/drawing/2014/main" id="{A30A8F28-98F4-425F-A750-78192A157DF4}"/>
+                <a16:creationId xmlns:a16="http://schemas.microsoft.com/office/drawing/2014/main" xmlns="" id="{A30A8F28-98F4-425F-A750-78192A157DF4}"/>
               </a:ext>
             </a:extLst>
           </p:cNvPr>
@@ -11618,7 +11618,7 @@
           <p:cNvPr id="15" name="Shape 4186">
             <a:extLst>
               <a:ext uri="{FF2B5EF4-FFF2-40B4-BE49-F238E27FC236}">
-                <a16:creationId xmlns:a16="http://schemas.microsoft.com/office/drawing/2014/main" id="{2F84D399-8148-4E86-A1E4-BE7D1D81383A}"/>
+                <a16:creationId xmlns:a16="http://schemas.microsoft.com/office/drawing/2014/main" xmlns="" id="{2F84D399-8148-4E86-A1E4-BE7D1D81383A}"/>
               </a:ext>
             </a:extLst>
           </p:cNvPr>
@@ -11856,7 +11856,7 @@
           <p:cNvPr id="19" name="Shape 4379">
             <a:extLst>
               <a:ext uri="{FF2B5EF4-FFF2-40B4-BE49-F238E27FC236}">
-                <a16:creationId xmlns:a16="http://schemas.microsoft.com/office/drawing/2014/main" id="{E4408FF8-E342-42F8-BBE9-1220822B5E99}"/>
+                <a16:creationId xmlns:a16="http://schemas.microsoft.com/office/drawing/2014/main" xmlns="" id="{E4408FF8-E342-42F8-BBE9-1220822B5E99}"/>
               </a:ext>
             </a:extLst>
           </p:cNvPr>
@@ -12085,7 +12085,7 @@
           <p:cNvPr id="20" name="Shape 4487">
             <a:extLst>
               <a:ext uri="{FF2B5EF4-FFF2-40B4-BE49-F238E27FC236}">
-                <a16:creationId xmlns:a16="http://schemas.microsoft.com/office/drawing/2014/main" id="{11D27456-C005-4109-9E74-0B692200A0B3}"/>
+                <a16:creationId xmlns:a16="http://schemas.microsoft.com/office/drawing/2014/main" xmlns="" id="{11D27456-C005-4109-9E74-0B692200A0B3}"/>
               </a:ext>
             </a:extLst>
           </p:cNvPr>
@@ -12682,7 +12682,7 @@
           <p:cNvPr id="21" name="Right Triangle 20">
             <a:extLst>
               <a:ext uri="{FF2B5EF4-FFF2-40B4-BE49-F238E27FC236}">
-                <a16:creationId xmlns:a16="http://schemas.microsoft.com/office/drawing/2014/main" id="{FDDD2B84-3CB9-4567-8C91-C538E8A1C89F}"/>
+                <a16:creationId xmlns:a16="http://schemas.microsoft.com/office/drawing/2014/main" xmlns="" id="{FDDD2B84-3CB9-4567-8C91-C538E8A1C89F}"/>
               </a:ext>
             </a:extLst>
           </p:cNvPr>
@@ -12734,7 +12734,7 @@
           <p:cNvPr id="22" name="Straight Connector 21">
             <a:extLst>
               <a:ext uri="{FF2B5EF4-FFF2-40B4-BE49-F238E27FC236}">
-                <a16:creationId xmlns:a16="http://schemas.microsoft.com/office/drawing/2014/main" id="{34EF3020-1476-41B1-9FE7-B476A25C53D3}"/>
+                <a16:creationId xmlns:a16="http://schemas.microsoft.com/office/drawing/2014/main" xmlns="" id="{34EF3020-1476-41B1-9FE7-B476A25C53D3}"/>
               </a:ext>
             </a:extLst>
           </p:cNvPr>
@@ -12779,7 +12779,7 @@
           <p:cNvPr id="23" name="Straight Connector 22">
             <a:extLst>
               <a:ext uri="{FF2B5EF4-FFF2-40B4-BE49-F238E27FC236}">
-                <a16:creationId xmlns:a16="http://schemas.microsoft.com/office/drawing/2014/main" id="{B1B64EC3-B232-415D-8E27-EB3E24D13922}"/>
+                <a16:creationId xmlns:a16="http://schemas.microsoft.com/office/drawing/2014/main" xmlns="" id="{B1B64EC3-B232-415D-8E27-EB3E24D13922}"/>
               </a:ext>
             </a:extLst>
           </p:cNvPr>
@@ -12822,7 +12822,7 @@
           <p:cNvPr id="24" name="Straight Connector 23">
             <a:extLst>
               <a:ext uri="{FF2B5EF4-FFF2-40B4-BE49-F238E27FC236}">
-                <a16:creationId xmlns:a16="http://schemas.microsoft.com/office/drawing/2014/main" id="{2261CE2F-F199-4242-AC6C-692676B81FF1}"/>
+                <a16:creationId xmlns:a16="http://schemas.microsoft.com/office/drawing/2014/main" xmlns="" id="{2261CE2F-F199-4242-AC6C-692676B81FF1}"/>
               </a:ext>
             </a:extLst>
           </p:cNvPr>
@@ -12865,7 +12865,7 @@
           <p:cNvPr id="27" name="Picture Placeholder 24">
             <a:extLst>
               <a:ext uri="{FF2B5EF4-FFF2-40B4-BE49-F238E27FC236}">
-                <a16:creationId xmlns:a16="http://schemas.microsoft.com/office/drawing/2014/main" id="{89C0506D-0CA6-4583-9D04-24E7F4D16AD8}"/>
+                <a16:creationId xmlns:a16="http://schemas.microsoft.com/office/drawing/2014/main" xmlns="" id="{89C0506D-0CA6-4583-9D04-24E7F4D16AD8}"/>
               </a:ext>
             </a:extLst>
           </p:cNvPr>
@@ -12979,7 +12979,7 @@
   </p:clrMapOvr>
   <p:extLst mod="1">
     <p:ext uri="{DCECCB84-F9BA-43D5-87BE-67443E8EF086}">
-      <p15:sldGuideLst xmlns:p15="http://schemas.microsoft.com/office/powerpoint/2012/main">
+      <p15:sldGuideLst xmlns:p15="http://schemas.microsoft.com/office/powerpoint/2012/main" xmlns="">
         <p15:guide id="1" orient="horz" pos="2160">
           <p15:clr>
             <a:srgbClr val="FBAE40"/>
@@ -13048,7 +13048,7 @@
           <p:cNvPr id="5" name="Footer Placeholder 4">
             <a:extLst>
               <a:ext uri="{FF2B5EF4-FFF2-40B4-BE49-F238E27FC236}">
-                <a16:creationId xmlns:a16="http://schemas.microsoft.com/office/drawing/2014/main" id="{BDB16155-303B-403D-8B49-D4CEE47D6863}"/>
+                <a16:creationId xmlns:a16="http://schemas.microsoft.com/office/drawing/2014/main" xmlns="" id="{BDB16155-303B-403D-8B49-D4CEE47D6863}"/>
               </a:ext>
             </a:extLst>
           </p:cNvPr>
@@ -13092,7 +13092,7 @@
           <p:cNvPr id="6" name="Slide Number Placeholder 5">
             <a:extLst>
               <a:ext uri="{FF2B5EF4-FFF2-40B4-BE49-F238E27FC236}">
-                <a16:creationId xmlns:a16="http://schemas.microsoft.com/office/drawing/2014/main" id="{6B915EF5-4ABE-4759-AC09-679CD6083A55}"/>
+                <a16:creationId xmlns:a16="http://schemas.microsoft.com/office/drawing/2014/main" xmlns="" id="{6B915EF5-4ABE-4759-AC09-679CD6083A55}"/>
               </a:ext>
             </a:extLst>
           </p:cNvPr>
@@ -13138,7 +13138,7 @@
           <p:cNvPr id="9" name="Title Placeholder 8">
             <a:extLst>
               <a:ext uri="{FF2B5EF4-FFF2-40B4-BE49-F238E27FC236}">
-                <a16:creationId xmlns:a16="http://schemas.microsoft.com/office/drawing/2014/main" id="{AA2D2B61-D240-024D-AD60-4162EF1528B9}"/>
+                <a16:creationId xmlns:a16="http://schemas.microsoft.com/office/drawing/2014/main" xmlns="" id="{AA2D2B61-D240-024D-AD60-4162EF1528B9}"/>
               </a:ext>
             </a:extLst>
           </p:cNvPr>
@@ -13521,7 +13521,7 @@
           <p:cNvPr id="17" name="Picture Placeholder 16" title="Building image">
             <a:extLst>
               <a:ext uri="{FF2B5EF4-FFF2-40B4-BE49-F238E27FC236}">
-                <a16:creationId xmlns:a16="http://schemas.microsoft.com/office/drawing/2014/main" id="{257F6BCE-75BB-4ECD-BEA5-21C36A9CC0E9}"/>
+                <a16:creationId xmlns:a16="http://schemas.microsoft.com/office/drawing/2014/main" xmlns="" id="{257F6BCE-75BB-4ECD-BEA5-21C36A9CC0E9}"/>
               </a:ext>
             </a:extLst>
           </p:cNvPr>
@@ -13546,7 +13546,7 @@
           <p:cNvPr id="18" name="Hexagon 17" descr="Solid dark colored hexagon in the middle of image accent">
             <a:extLst>
               <a:ext uri="{FF2B5EF4-FFF2-40B4-BE49-F238E27FC236}">
-                <a16:creationId xmlns:a16="http://schemas.microsoft.com/office/drawing/2014/main" id="{0E6B042D-E9CB-40E0-AAE9-6AD11F53E044}"/>
+                <a16:creationId xmlns:a16="http://schemas.microsoft.com/office/drawing/2014/main" xmlns="" id="{0E6B042D-E9CB-40E0-AAE9-6AD11F53E044}"/>
               </a:ext>
             </a:extLst>
           </p:cNvPr>
@@ -13600,7 +13600,7 @@
           <p:cNvPr id="21" name="TextBox 20">
             <a:extLst>
               <a:ext uri="{FF2B5EF4-FFF2-40B4-BE49-F238E27FC236}">
-                <a16:creationId xmlns:a16="http://schemas.microsoft.com/office/drawing/2014/main" id="{FC9A1C71-347B-44A9-88B4-692D9731582D}"/>
+                <a16:creationId xmlns:a16="http://schemas.microsoft.com/office/drawing/2014/main" xmlns="" id="{FC9A1C71-347B-44A9-88B4-692D9731582D}"/>
               </a:ext>
             </a:extLst>
           </p:cNvPr>
@@ -13646,7 +13646,7 @@
           <p:cNvPr id="2" name="Title 1">
             <a:extLst>
               <a:ext uri="{FF2B5EF4-FFF2-40B4-BE49-F238E27FC236}">
-                <a16:creationId xmlns:a16="http://schemas.microsoft.com/office/drawing/2014/main" id="{3D638ACE-163E-40EB-A458-E794C67EA2A6}"/>
+                <a16:creationId xmlns:a16="http://schemas.microsoft.com/office/drawing/2014/main" xmlns="" id="{3D638ACE-163E-40EB-A458-E794C67EA2A6}"/>
               </a:ext>
             </a:extLst>
           </p:cNvPr>
@@ -13663,8 +13663,36 @@
           <a:lstStyle/>
           <a:p>
             <a:r>
-              <a:rPr lang="en-US"/>
-              <a:t>Phần mềm bán lẻ</a:t>
+              <a:rPr lang="en-US" dirty="0" err="1"/>
+              <a:t>Phần</a:t>
+            </a:r>
+            <a:r>
+              <a:rPr lang="en-US" dirty="0"/>
+              <a:t> </a:t>
+            </a:r>
+            <a:r>
+              <a:rPr lang="en-US" dirty="0" err="1"/>
+              <a:t>mềm</a:t>
+            </a:r>
+            <a:r>
+              <a:rPr lang="en-US" dirty="0"/>
+              <a:t> </a:t>
+            </a:r>
+            <a:r>
+              <a:rPr lang="en-US" dirty="0" err="1"/>
+              <a:t>bán</a:t>
+            </a:r>
+            <a:r>
+              <a:rPr lang="en-US" dirty="0"/>
+              <a:t> </a:t>
+            </a:r>
+            <a:r>
+              <a:rPr lang="en-US" dirty="0" err="1" smtClean="0"/>
+              <a:t>lẻ</a:t>
+            </a:r>
+            <a:r>
+              <a:rPr lang="en-US" smtClean="0"/>
+              <a:t> a</a:t>
             </a:r>
             <a:endParaRPr lang="en-IN" dirty="0"/>
           </a:p>
@@ -13675,7 +13703,7 @@
           <p:cNvPr id="3" name="Subtitle 2">
             <a:extLst>
               <a:ext uri="{FF2B5EF4-FFF2-40B4-BE49-F238E27FC236}">
-                <a16:creationId xmlns:a16="http://schemas.microsoft.com/office/drawing/2014/main" id="{5C9205DF-8F5E-49F7-B00E-6F58293F5130}"/>
+                <a16:creationId xmlns:a16="http://schemas.microsoft.com/office/drawing/2014/main" xmlns="" id="{5C9205DF-8F5E-49F7-B00E-6F58293F5130}"/>
               </a:ext>
             </a:extLst>
           </p:cNvPr>
@@ -13704,7 +13732,7 @@
           <p:cNvPr id="5" name="Picture 4">
             <a:extLst>
               <a:ext uri="{FF2B5EF4-FFF2-40B4-BE49-F238E27FC236}">
-                <a16:creationId xmlns:a16="http://schemas.microsoft.com/office/drawing/2014/main" id="{CE576A36-6C8E-4698-8628-CFA9BF06D9F0}"/>
+                <a16:creationId xmlns:a16="http://schemas.microsoft.com/office/drawing/2014/main" xmlns="" id="{CE576A36-6C8E-4698-8628-CFA9BF06D9F0}"/>
               </a:ext>
             </a:extLst>
           </p:cNvPr>
@@ -13764,7 +13792,7 @@
           <p:cNvPr id="8" name="Content Placeholder 7">
             <a:extLst>
               <a:ext uri="{FF2B5EF4-FFF2-40B4-BE49-F238E27FC236}">
-                <a16:creationId xmlns:a16="http://schemas.microsoft.com/office/drawing/2014/main" id="{92842F0B-867E-4E8A-B987-4AA1F99D4CFD}"/>
+                <a16:creationId xmlns:a16="http://schemas.microsoft.com/office/drawing/2014/main" xmlns="" id="{92842F0B-867E-4E8A-B987-4AA1F99D4CFD}"/>
               </a:ext>
             </a:extLst>
           </p:cNvPr>
@@ -13796,7 +13824,7 @@
           <p:cNvPr id="20" name="Footer Placeholder 4">
             <a:extLst>
               <a:ext uri="{FF2B5EF4-FFF2-40B4-BE49-F238E27FC236}">
-                <a16:creationId xmlns:a16="http://schemas.microsoft.com/office/drawing/2014/main" id="{391D3201-20F9-4DD7-B4EB-F41AF17CA428}"/>
+                <a16:creationId xmlns:a16="http://schemas.microsoft.com/office/drawing/2014/main" xmlns="" id="{391D3201-20F9-4DD7-B4EB-F41AF17CA428}"/>
               </a:ext>
             </a:extLst>
           </p:cNvPr>
@@ -13836,7 +13864,7 @@
           <p:cNvPr id="21" name="Slide Number Placeholder 5">
             <a:extLst>
               <a:ext uri="{FF2B5EF4-FFF2-40B4-BE49-F238E27FC236}">
-                <a16:creationId xmlns:a16="http://schemas.microsoft.com/office/drawing/2014/main" id="{C7C65DDB-24F2-44CF-AE02-F3A6C8B1858B}"/>
+                <a16:creationId xmlns:a16="http://schemas.microsoft.com/office/drawing/2014/main" xmlns="" id="{C7C65DDB-24F2-44CF-AE02-F3A6C8B1858B}"/>
               </a:ext>
             </a:extLst>
           </p:cNvPr>
@@ -13877,7 +13905,7 @@
           <p:cNvPr id="14" name="Title 13">
             <a:extLst>
               <a:ext uri="{FF2B5EF4-FFF2-40B4-BE49-F238E27FC236}">
-                <a16:creationId xmlns:a16="http://schemas.microsoft.com/office/drawing/2014/main" id="{E3E5EE03-FBF6-46F5-8085-716AC6CE1C8C}"/>
+                <a16:creationId xmlns:a16="http://schemas.microsoft.com/office/drawing/2014/main" xmlns="" id="{E3E5EE03-FBF6-46F5-8085-716AC6CE1C8C}"/>
               </a:ext>
             </a:extLst>
           </p:cNvPr>
@@ -13942,7 +13970,7 @@
           <p:cNvPr id="18" name="Picture Placeholder 16" title="Building image">
             <a:extLst>
               <a:ext uri="{FF2B5EF4-FFF2-40B4-BE49-F238E27FC236}">
-                <a16:creationId xmlns:a16="http://schemas.microsoft.com/office/drawing/2014/main" id="{BA026684-ED32-4C82-8EFB-03E9E047EA33}"/>
+                <a16:creationId xmlns:a16="http://schemas.microsoft.com/office/drawing/2014/main" xmlns="" id="{BA026684-ED32-4C82-8EFB-03E9E047EA33}"/>
               </a:ext>
             </a:extLst>
           </p:cNvPr>
@@ -14030,7 +14058,7 @@
           <p:cNvPr id="19" name="Hexagon 18" descr="Solid dark colored hexagon in the middle of image accent">
             <a:extLst>
               <a:ext uri="{FF2B5EF4-FFF2-40B4-BE49-F238E27FC236}">
-                <a16:creationId xmlns:a16="http://schemas.microsoft.com/office/drawing/2014/main" id="{7CE8B54A-D8B2-498F-ACFB-31AC2DEB83FA}"/>
+                <a16:creationId xmlns:a16="http://schemas.microsoft.com/office/drawing/2014/main" xmlns="" id="{7CE8B54A-D8B2-498F-ACFB-31AC2DEB83FA}"/>
               </a:ext>
             </a:extLst>
           </p:cNvPr>
@@ -14082,7 +14110,7 @@
           <p:cNvPr id="22" name="TextBox 21">
             <a:extLst>
               <a:ext uri="{FF2B5EF4-FFF2-40B4-BE49-F238E27FC236}">
-                <a16:creationId xmlns:a16="http://schemas.microsoft.com/office/drawing/2014/main" id="{D6E86452-6AEA-4380-9682-AB26317ADB62}"/>
+                <a16:creationId xmlns:a16="http://schemas.microsoft.com/office/drawing/2014/main" xmlns="" id="{D6E86452-6AEA-4380-9682-AB26317ADB62}"/>
               </a:ext>
             </a:extLst>
           </p:cNvPr>
@@ -14122,7 +14150,7 @@
           <p:cNvPr id="8" name="Title 7">
             <a:extLst>
               <a:ext uri="{FF2B5EF4-FFF2-40B4-BE49-F238E27FC236}">
-                <a16:creationId xmlns:a16="http://schemas.microsoft.com/office/drawing/2014/main" id="{8B6C5EAB-81FF-4827-A160-22F4363C611A}"/>
+                <a16:creationId xmlns:a16="http://schemas.microsoft.com/office/drawing/2014/main" xmlns="" id="{8B6C5EAB-81FF-4827-A160-22F4363C611A}"/>
               </a:ext>
             </a:extLst>
           </p:cNvPr>
@@ -14154,7 +14182,7 @@
           <p:cNvPr id="14" name="Text Placeholder 13">
             <a:extLst>
               <a:ext uri="{FF2B5EF4-FFF2-40B4-BE49-F238E27FC236}">
-                <a16:creationId xmlns:a16="http://schemas.microsoft.com/office/drawing/2014/main" id="{B6611344-9447-438E-873C-299AF4110B03}"/>
+                <a16:creationId xmlns:a16="http://schemas.microsoft.com/office/drawing/2014/main" xmlns="" id="{B6611344-9447-438E-873C-299AF4110B03}"/>
               </a:ext>
             </a:extLst>
           </p:cNvPr>
@@ -14191,7 +14219,7 @@
           <p:cNvPr id="15" name="Text Placeholder 14">
             <a:extLst>
               <a:ext uri="{FF2B5EF4-FFF2-40B4-BE49-F238E27FC236}">
-                <a16:creationId xmlns:a16="http://schemas.microsoft.com/office/drawing/2014/main" id="{7A3FB895-3D21-4707-8EDE-3F825906DE41}"/>
+                <a16:creationId xmlns:a16="http://schemas.microsoft.com/office/drawing/2014/main" xmlns="" id="{7A3FB895-3D21-4707-8EDE-3F825906DE41}"/>
               </a:ext>
             </a:extLst>
           </p:cNvPr>
@@ -14220,7 +14248,7 @@
           <p:cNvPr id="23" name="Text Placeholder 22">
             <a:extLst>
               <a:ext uri="{FF2B5EF4-FFF2-40B4-BE49-F238E27FC236}">
-                <a16:creationId xmlns:a16="http://schemas.microsoft.com/office/drawing/2014/main" id="{A0B41C33-430D-4B31-A546-F85646919475}"/>
+                <a16:creationId xmlns:a16="http://schemas.microsoft.com/office/drawing/2014/main" xmlns="" id="{A0B41C33-430D-4B31-A546-F85646919475}"/>
               </a:ext>
             </a:extLst>
           </p:cNvPr>
@@ -14249,7 +14277,7 @@
           <p:cNvPr id="24" name="Text Placeholder 23">
             <a:extLst>
               <a:ext uri="{FF2B5EF4-FFF2-40B4-BE49-F238E27FC236}">
-                <a16:creationId xmlns:a16="http://schemas.microsoft.com/office/drawing/2014/main" id="{E62065D0-127B-4884-9760-D1FFEC38A6F9}"/>
+                <a16:creationId xmlns:a16="http://schemas.microsoft.com/office/drawing/2014/main" xmlns="" id="{E62065D0-127B-4884-9760-D1FFEC38A6F9}"/>
               </a:ext>
             </a:extLst>
           </p:cNvPr>
@@ -14281,7 +14309,7 @@
           <p:cNvPr id="3" name="Picture 2">
             <a:extLst>
               <a:ext uri="{FF2B5EF4-FFF2-40B4-BE49-F238E27FC236}">
-                <a16:creationId xmlns:a16="http://schemas.microsoft.com/office/drawing/2014/main" id="{E5FC5452-5903-4D36-9BAD-C4A9AFC4013F}"/>
+                <a16:creationId xmlns:a16="http://schemas.microsoft.com/office/drawing/2014/main" xmlns="" id="{E5FC5452-5903-4D36-9BAD-C4A9AFC4013F}"/>
               </a:ext>
             </a:extLst>
           </p:cNvPr>
@@ -14341,7 +14369,7 @@
           <p:cNvPr id="4" name="Title 3">
             <a:extLst>
               <a:ext uri="{FF2B5EF4-FFF2-40B4-BE49-F238E27FC236}">
-                <a16:creationId xmlns:a16="http://schemas.microsoft.com/office/drawing/2014/main" id="{1ABE11BF-33A5-4653-A144-CCCBACF58C30}"/>
+                <a16:creationId xmlns:a16="http://schemas.microsoft.com/office/drawing/2014/main" xmlns="" id="{1ABE11BF-33A5-4653-A144-CCCBACF58C30}"/>
               </a:ext>
             </a:extLst>
           </p:cNvPr>
@@ -14374,7 +14402,7 @@
           <p:cNvPr id="7" name="Content Placeholder 6">
             <a:extLst>
               <a:ext uri="{FF2B5EF4-FFF2-40B4-BE49-F238E27FC236}">
-                <a16:creationId xmlns:a16="http://schemas.microsoft.com/office/drawing/2014/main" id="{2482DBEC-EE72-4155-ACC5-87E80C5606A9}"/>
+                <a16:creationId xmlns:a16="http://schemas.microsoft.com/office/drawing/2014/main" xmlns="" id="{2482DBEC-EE72-4155-ACC5-87E80C5606A9}"/>
               </a:ext>
             </a:extLst>
           </p:cNvPr>
@@ -14401,7 +14429,7 @@
           <p:cNvPr id="13" name="Picture Placeholder 12" title="Skyline">
             <a:extLst>
               <a:ext uri="{FF2B5EF4-FFF2-40B4-BE49-F238E27FC236}">
-                <a16:creationId xmlns:a16="http://schemas.microsoft.com/office/drawing/2014/main" id="{066FE296-3466-420F-AD6C-D3A37B973B7D}"/>
+                <a16:creationId xmlns:a16="http://schemas.microsoft.com/office/drawing/2014/main" xmlns="" id="{066FE296-3466-420F-AD6C-D3A37B973B7D}"/>
               </a:ext>
             </a:extLst>
           </p:cNvPr>
@@ -14424,7 +14452,7 @@
           <p:cNvPr id="11" name="Footer Placeholder 10">
             <a:extLst>
               <a:ext uri="{FF2B5EF4-FFF2-40B4-BE49-F238E27FC236}">
-                <a16:creationId xmlns:a16="http://schemas.microsoft.com/office/drawing/2014/main" id="{47F4D2C2-B71A-4089-A3FE-603C32706CA6}"/>
+                <a16:creationId xmlns:a16="http://schemas.microsoft.com/office/drawing/2014/main" xmlns="" id="{47F4D2C2-B71A-4089-A3FE-603C32706CA6}"/>
               </a:ext>
             </a:extLst>
           </p:cNvPr>
@@ -14452,7 +14480,7 @@
           <p:cNvPr id="12" name="Slide Number Placeholder 11">
             <a:extLst>
               <a:ext uri="{FF2B5EF4-FFF2-40B4-BE49-F238E27FC236}">
-                <a16:creationId xmlns:a16="http://schemas.microsoft.com/office/drawing/2014/main" id="{FBA1BB58-7555-4382-B178-7ED04E137E77}"/>
+                <a16:creationId xmlns:a16="http://schemas.microsoft.com/office/drawing/2014/main" xmlns="" id="{FBA1BB58-7555-4382-B178-7ED04E137E77}"/>
               </a:ext>
             </a:extLst>
           </p:cNvPr>
@@ -14482,7 +14510,7 @@
           <p:cNvPr id="3" name="Text Placeholder 2">
             <a:extLst>
               <a:ext uri="{FF2B5EF4-FFF2-40B4-BE49-F238E27FC236}">
-                <a16:creationId xmlns:a16="http://schemas.microsoft.com/office/drawing/2014/main" id="{E8B74F4C-B492-4376-A342-8A0E7D6F1722}"/>
+                <a16:creationId xmlns:a16="http://schemas.microsoft.com/office/drawing/2014/main" xmlns="" id="{E8B74F4C-B492-4376-A342-8A0E7D6F1722}"/>
               </a:ext>
             </a:extLst>
           </p:cNvPr>
@@ -14510,7 +14538,7 @@
           <p:cNvPr id="14" name="AutoShape 2" descr="Image result for LÆ¯U TRá»® ICON">
             <a:extLst>
               <a:ext uri="{FF2B5EF4-FFF2-40B4-BE49-F238E27FC236}">
-                <a16:creationId xmlns:a16="http://schemas.microsoft.com/office/drawing/2014/main" id="{BE48071B-27B5-485F-A92A-94651679376E}"/>
+                <a16:creationId xmlns:a16="http://schemas.microsoft.com/office/drawing/2014/main" xmlns="" id="{BE48071B-27B5-485F-A92A-94651679376E}"/>
               </a:ext>
             </a:extLst>
           </p:cNvPr>
@@ -14555,7 +14583,7 @@
           <p:cNvPr id="15" name="Oval 14">
             <a:extLst>
               <a:ext uri="{FF2B5EF4-FFF2-40B4-BE49-F238E27FC236}">
-                <a16:creationId xmlns:a16="http://schemas.microsoft.com/office/drawing/2014/main" id="{FE0A1A78-74D2-460F-810A-F833038F3269}"/>
+                <a16:creationId xmlns:a16="http://schemas.microsoft.com/office/drawing/2014/main" xmlns="" id="{FE0A1A78-74D2-460F-810A-F833038F3269}"/>
               </a:ext>
             </a:extLst>
           </p:cNvPr>
@@ -14623,7 +14651,7 @@
           <p:cNvPr id="16" name="Oval 15">
             <a:extLst>
               <a:ext uri="{FF2B5EF4-FFF2-40B4-BE49-F238E27FC236}">
-                <a16:creationId xmlns:a16="http://schemas.microsoft.com/office/drawing/2014/main" id="{69573E69-4617-4B36-94C6-DBB093DEFB6E}"/>
+                <a16:creationId xmlns:a16="http://schemas.microsoft.com/office/drawing/2014/main" xmlns="" id="{69573E69-4617-4B36-94C6-DBB093DEFB6E}"/>
               </a:ext>
             </a:extLst>
           </p:cNvPr>
@@ -14702,7 +14730,7 @@
           <p:cNvPr id="17" name="Oval 16">
             <a:extLst>
               <a:ext uri="{FF2B5EF4-FFF2-40B4-BE49-F238E27FC236}">
-                <a16:creationId xmlns:a16="http://schemas.microsoft.com/office/drawing/2014/main" id="{1179434F-F3BE-4FAF-8C41-BD256E1DD5B6}"/>
+                <a16:creationId xmlns:a16="http://schemas.microsoft.com/office/drawing/2014/main" xmlns="" id="{1179434F-F3BE-4FAF-8C41-BD256E1DD5B6}"/>
               </a:ext>
             </a:extLst>
           </p:cNvPr>
@@ -14773,7 +14801,7 @@
           <p:cNvPr id="18" name="Flowchart: Magnetic Disk 17">
             <a:extLst>
               <a:ext uri="{FF2B5EF4-FFF2-40B4-BE49-F238E27FC236}">
-                <a16:creationId xmlns:a16="http://schemas.microsoft.com/office/drawing/2014/main" id="{FFB03D57-B271-4EF5-A85F-6DA153D12FBC}"/>
+                <a16:creationId xmlns:a16="http://schemas.microsoft.com/office/drawing/2014/main" xmlns="" id="{FFB03D57-B271-4EF5-A85F-6DA153D12FBC}"/>
               </a:ext>
             </a:extLst>
           </p:cNvPr>
@@ -14875,7 +14903,7 @@
           <p:cNvPr id="19" name="Up Arrow 16">
             <a:extLst>
               <a:ext uri="{FF2B5EF4-FFF2-40B4-BE49-F238E27FC236}">
-                <a16:creationId xmlns:a16="http://schemas.microsoft.com/office/drawing/2014/main" id="{C0CF16B2-113B-487C-8E02-975DAB4D2964}"/>
+                <a16:creationId xmlns:a16="http://schemas.microsoft.com/office/drawing/2014/main" xmlns="" id="{C0CF16B2-113B-487C-8E02-975DAB4D2964}"/>
               </a:ext>
             </a:extLst>
           </p:cNvPr>
@@ -14936,7 +14964,7 @@
           <p:cNvPr id="20" name="Up Arrow 38">
             <a:extLst>
               <a:ext uri="{FF2B5EF4-FFF2-40B4-BE49-F238E27FC236}">
-                <a16:creationId xmlns:a16="http://schemas.microsoft.com/office/drawing/2014/main" id="{3051E07D-322B-43FB-A6FC-6EC5B852107C}"/>
+                <a16:creationId xmlns:a16="http://schemas.microsoft.com/office/drawing/2014/main" xmlns="" id="{3051E07D-322B-43FB-A6FC-6EC5B852107C}"/>
               </a:ext>
             </a:extLst>
           </p:cNvPr>
@@ -14997,7 +15025,7 @@
           <p:cNvPr id="21" name="Up Arrow 39">
             <a:extLst>
               <a:ext uri="{FF2B5EF4-FFF2-40B4-BE49-F238E27FC236}">
-                <a16:creationId xmlns:a16="http://schemas.microsoft.com/office/drawing/2014/main" id="{9CD7DD98-E08A-474A-A657-5D0A436E286B}"/>
+                <a16:creationId xmlns:a16="http://schemas.microsoft.com/office/drawing/2014/main" xmlns="" id="{9CD7DD98-E08A-474A-A657-5D0A436E286B}"/>
               </a:ext>
             </a:extLst>
           </p:cNvPr>
@@ -15390,7 +15418,7 @@
           <p:cNvPr id="4" name="Title 3">
             <a:extLst>
               <a:ext uri="{FF2B5EF4-FFF2-40B4-BE49-F238E27FC236}">
-                <a16:creationId xmlns:a16="http://schemas.microsoft.com/office/drawing/2014/main" id="{1ABE11BF-33A5-4653-A144-CCCBACF58C30}"/>
+                <a16:creationId xmlns:a16="http://schemas.microsoft.com/office/drawing/2014/main" xmlns="" id="{1ABE11BF-33A5-4653-A144-CCCBACF58C30}"/>
               </a:ext>
             </a:extLst>
           </p:cNvPr>
@@ -15423,7 +15451,7 @@
           <p:cNvPr id="7" name="Content Placeholder 6">
             <a:extLst>
               <a:ext uri="{FF2B5EF4-FFF2-40B4-BE49-F238E27FC236}">
-                <a16:creationId xmlns:a16="http://schemas.microsoft.com/office/drawing/2014/main" id="{2482DBEC-EE72-4155-ACC5-87E80C5606A9}"/>
+                <a16:creationId xmlns:a16="http://schemas.microsoft.com/office/drawing/2014/main" xmlns="" id="{2482DBEC-EE72-4155-ACC5-87E80C5606A9}"/>
               </a:ext>
             </a:extLst>
           </p:cNvPr>
@@ -15465,7 +15493,7 @@
           <p:cNvPr id="13" name="Picture Placeholder 12" title="Skyline">
             <a:extLst>
               <a:ext uri="{FF2B5EF4-FFF2-40B4-BE49-F238E27FC236}">
-                <a16:creationId xmlns:a16="http://schemas.microsoft.com/office/drawing/2014/main" id="{066FE296-3466-420F-AD6C-D3A37B973B7D}"/>
+                <a16:creationId xmlns:a16="http://schemas.microsoft.com/office/drawing/2014/main" xmlns="" id="{066FE296-3466-420F-AD6C-D3A37B973B7D}"/>
               </a:ext>
             </a:extLst>
           </p:cNvPr>
@@ -15488,7 +15516,7 @@
           <p:cNvPr id="11" name="Footer Placeholder 10">
             <a:extLst>
               <a:ext uri="{FF2B5EF4-FFF2-40B4-BE49-F238E27FC236}">
-                <a16:creationId xmlns:a16="http://schemas.microsoft.com/office/drawing/2014/main" id="{47F4D2C2-B71A-4089-A3FE-603C32706CA6}"/>
+                <a16:creationId xmlns:a16="http://schemas.microsoft.com/office/drawing/2014/main" xmlns="" id="{47F4D2C2-B71A-4089-A3FE-603C32706CA6}"/>
               </a:ext>
             </a:extLst>
           </p:cNvPr>
@@ -15516,7 +15544,7 @@
           <p:cNvPr id="12" name="Slide Number Placeholder 11">
             <a:extLst>
               <a:ext uri="{FF2B5EF4-FFF2-40B4-BE49-F238E27FC236}">
-                <a16:creationId xmlns:a16="http://schemas.microsoft.com/office/drawing/2014/main" id="{FBA1BB58-7555-4382-B178-7ED04E137E77}"/>
+                <a16:creationId xmlns:a16="http://schemas.microsoft.com/office/drawing/2014/main" xmlns="" id="{FBA1BB58-7555-4382-B178-7ED04E137E77}"/>
               </a:ext>
             </a:extLst>
           </p:cNvPr>
@@ -15546,7 +15574,7 @@
           <p:cNvPr id="3" name="Text Placeholder 2">
             <a:extLst>
               <a:ext uri="{FF2B5EF4-FFF2-40B4-BE49-F238E27FC236}">
-                <a16:creationId xmlns:a16="http://schemas.microsoft.com/office/drawing/2014/main" id="{E8B74F4C-B492-4376-A342-8A0E7D6F1722}"/>
+                <a16:creationId xmlns:a16="http://schemas.microsoft.com/office/drawing/2014/main" xmlns="" id="{E8B74F4C-B492-4376-A342-8A0E7D6F1722}"/>
               </a:ext>
             </a:extLst>
           </p:cNvPr>
@@ -15601,7 +15629,7 @@
           <p:cNvPr id="4" name="Title 3">
             <a:extLst>
               <a:ext uri="{FF2B5EF4-FFF2-40B4-BE49-F238E27FC236}">
-                <a16:creationId xmlns:a16="http://schemas.microsoft.com/office/drawing/2014/main" id="{1ABE11BF-33A5-4653-A144-CCCBACF58C30}"/>
+                <a16:creationId xmlns:a16="http://schemas.microsoft.com/office/drawing/2014/main" xmlns="" id="{1ABE11BF-33A5-4653-A144-CCCBACF58C30}"/>
               </a:ext>
             </a:extLst>
           </p:cNvPr>
@@ -15634,7 +15662,7 @@
           <p:cNvPr id="7" name="Content Placeholder 6">
             <a:extLst>
               <a:ext uri="{FF2B5EF4-FFF2-40B4-BE49-F238E27FC236}">
-                <a16:creationId xmlns:a16="http://schemas.microsoft.com/office/drawing/2014/main" id="{2482DBEC-EE72-4155-ACC5-87E80C5606A9}"/>
+                <a16:creationId xmlns:a16="http://schemas.microsoft.com/office/drawing/2014/main" xmlns="" id="{2482DBEC-EE72-4155-ACC5-87E80C5606A9}"/>
               </a:ext>
             </a:extLst>
           </p:cNvPr>
@@ -15685,7 +15713,7 @@
           <p:cNvPr id="13" name="Picture Placeholder 12" title="Skyline">
             <a:extLst>
               <a:ext uri="{FF2B5EF4-FFF2-40B4-BE49-F238E27FC236}">
-                <a16:creationId xmlns:a16="http://schemas.microsoft.com/office/drawing/2014/main" id="{066FE296-3466-420F-AD6C-D3A37B973B7D}"/>
+                <a16:creationId xmlns:a16="http://schemas.microsoft.com/office/drawing/2014/main" xmlns="" id="{066FE296-3466-420F-AD6C-D3A37B973B7D}"/>
               </a:ext>
             </a:extLst>
           </p:cNvPr>
@@ -15708,7 +15736,7 @@
           <p:cNvPr id="11" name="Footer Placeholder 10">
             <a:extLst>
               <a:ext uri="{FF2B5EF4-FFF2-40B4-BE49-F238E27FC236}">
-                <a16:creationId xmlns:a16="http://schemas.microsoft.com/office/drawing/2014/main" id="{47F4D2C2-B71A-4089-A3FE-603C32706CA6}"/>
+                <a16:creationId xmlns:a16="http://schemas.microsoft.com/office/drawing/2014/main" xmlns="" id="{47F4D2C2-B71A-4089-A3FE-603C32706CA6}"/>
               </a:ext>
             </a:extLst>
           </p:cNvPr>
@@ -15736,7 +15764,7 @@
           <p:cNvPr id="12" name="Slide Number Placeholder 11">
             <a:extLst>
               <a:ext uri="{FF2B5EF4-FFF2-40B4-BE49-F238E27FC236}">
-                <a16:creationId xmlns:a16="http://schemas.microsoft.com/office/drawing/2014/main" id="{FBA1BB58-7555-4382-B178-7ED04E137E77}"/>
+                <a16:creationId xmlns:a16="http://schemas.microsoft.com/office/drawing/2014/main" xmlns="" id="{FBA1BB58-7555-4382-B178-7ED04E137E77}"/>
               </a:ext>
             </a:extLst>
           </p:cNvPr>
@@ -15766,7 +15794,7 @@
           <p:cNvPr id="3" name="Text Placeholder 2">
             <a:extLst>
               <a:ext uri="{FF2B5EF4-FFF2-40B4-BE49-F238E27FC236}">
-                <a16:creationId xmlns:a16="http://schemas.microsoft.com/office/drawing/2014/main" id="{E8B74F4C-B492-4376-A342-8A0E7D6F1722}"/>
+                <a16:creationId xmlns:a16="http://schemas.microsoft.com/office/drawing/2014/main" xmlns="" id="{E8B74F4C-B492-4376-A342-8A0E7D6F1722}"/>
               </a:ext>
             </a:extLst>
           </p:cNvPr>
@@ -15821,7 +15849,7 @@
           <p:cNvPr id="41" name="Title 3">
             <a:extLst>
               <a:ext uri="{FF2B5EF4-FFF2-40B4-BE49-F238E27FC236}">
-                <a16:creationId xmlns:a16="http://schemas.microsoft.com/office/drawing/2014/main" id="{1ABD613F-111C-41D6-9F8E-8B2C42A5E047}"/>
+                <a16:creationId xmlns:a16="http://schemas.microsoft.com/office/drawing/2014/main" xmlns="" id="{1ABD613F-111C-41D6-9F8E-8B2C42A5E047}"/>
               </a:ext>
             </a:extLst>
           </p:cNvPr>
@@ -15850,7 +15878,7 @@
           <p:cNvPr id="43" name="Text Placeholder 8">
             <a:extLst>
               <a:ext uri="{FF2B5EF4-FFF2-40B4-BE49-F238E27FC236}">
-                <a16:creationId xmlns:a16="http://schemas.microsoft.com/office/drawing/2014/main" id="{EA7C22CB-613A-4C0B-90B3-4A405F793D3C}"/>
+                <a16:creationId xmlns:a16="http://schemas.microsoft.com/office/drawing/2014/main" xmlns="" id="{EA7C22CB-613A-4C0B-90B3-4A405F793D3C}"/>
               </a:ext>
             </a:extLst>
           </p:cNvPr>
@@ -15879,7 +15907,7 @@
           <p:cNvPr id="42" name="Content Placeholder 6">
             <a:extLst>
               <a:ext uri="{FF2B5EF4-FFF2-40B4-BE49-F238E27FC236}">
-                <a16:creationId xmlns:a16="http://schemas.microsoft.com/office/drawing/2014/main" id="{55EACD59-7C51-4810-94C6-BCB4D12346DC}"/>
+                <a16:creationId xmlns:a16="http://schemas.microsoft.com/office/drawing/2014/main" xmlns="" id="{55EACD59-7C51-4810-94C6-BCB4D12346DC}"/>
               </a:ext>
             </a:extLst>
           </p:cNvPr>
@@ -15985,7 +16013,7 @@
           <p:cNvPr id="59" name="Picture Placeholder 58" title="Buildings">
             <a:extLst>
               <a:ext uri="{FF2B5EF4-FFF2-40B4-BE49-F238E27FC236}">
-                <a16:creationId xmlns:a16="http://schemas.microsoft.com/office/drawing/2014/main" id="{3FCCC668-2247-4814-9CC5-9C5D4B447AA3}"/>
+                <a16:creationId xmlns:a16="http://schemas.microsoft.com/office/drawing/2014/main" xmlns="" id="{3FCCC668-2247-4814-9CC5-9C5D4B447AA3}"/>
               </a:ext>
             </a:extLst>
           </p:cNvPr>
@@ -16010,7 +16038,7 @@
           <p:cNvPr id="35" name="Footer Placeholder 34">
             <a:extLst>
               <a:ext uri="{FF2B5EF4-FFF2-40B4-BE49-F238E27FC236}">
-                <a16:creationId xmlns:a16="http://schemas.microsoft.com/office/drawing/2014/main" id="{6390A22B-EC07-E942-A46F-F36FDD7FDB9D}"/>
+                <a16:creationId xmlns:a16="http://schemas.microsoft.com/office/drawing/2014/main" xmlns="" id="{6390A22B-EC07-E942-A46F-F36FDD7FDB9D}"/>
               </a:ext>
             </a:extLst>
           </p:cNvPr>
@@ -16038,7 +16066,7 @@
           <p:cNvPr id="10" name="Slide Number Placeholder 9">
             <a:extLst>
               <a:ext uri="{FF2B5EF4-FFF2-40B4-BE49-F238E27FC236}">
-                <a16:creationId xmlns:a16="http://schemas.microsoft.com/office/drawing/2014/main" id="{A267D224-5586-43DC-82CA-8605E158298B}"/>
+                <a16:creationId xmlns:a16="http://schemas.microsoft.com/office/drawing/2014/main" xmlns="" id="{A267D224-5586-43DC-82CA-8605E158298B}"/>
               </a:ext>
             </a:extLst>
           </p:cNvPr>
@@ -16098,7 +16126,7 @@
           <p:cNvPr id="41" name="Title 3">
             <a:extLst>
               <a:ext uri="{FF2B5EF4-FFF2-40B4-BE49-F238E27FC236}">
-                <a16:creationId xmlns:a16="http://schemas.microsoft.com/office/drawing/2014/main" id="{1ABD613F-111C-41D6-9F8E-8B2C42A5E047}"/>
+                <a16:creationId xmlns:a16="http://schemas.microsoft.com/office/drawing/2014/main" xmlns="" id="{1ABD613F-111C-41D6-9F8E-8B2C42A5E047}"/>
               </a:ext>
             </a:extLst>
           </p:cNvPr>
@@ -16127,7 +16155,7 @@
           <p:cNvPr id="43" name="Text Placeholder 8">
             <a:extLst>
               <a:ext uri="{FF2B5EF4-FFF2-40B4-BE49-F238E27FC236}">
-                <a16:creationId xmlns:a16="http://schemas.microsoft.com/office/drawing/2014/main" id="{EA7C22CB-613A-4C0B-90B3-4A405F793D3C}"/>
+                <a16:creationId xmlns:a16="http://schemas.microsoft.com/office/drawing/2014/main" xmlns="" id="{EA7C22CB-613A-4C0B-90B3-4A405F793D3C}"/>
               </a:ext>
             </a:extLst>
           </p:cNvPr>
@@ -16156,7 +16184,7 @@
           <p:cNvPr id="42" name="Content Placeholder 6">
             <a:extLst>
               <a:ext uri="{FF2B5EF4-FFF2-40B4-BE49-F238E27FC236}">
-                <a16:creationId xmlns:a16="http://schemas.microsoft.com/office/drawing/2014/main" id="{55EACD59-7C51-4810-94C6-BCB4D12346DC}"/>
+                <a16:creationId xmlns:a16="http://schemas.microsoft.com/office/drawing/2014/main" xmlns="" id="{55EACD59-7C51-4810-94C6-BCB4D12346DC}"/>
               </a:ext>
             </a:extLst>
           </p:cNvPr>
@@ -16266,7 +16294,7 @@
           <p:cNvPr id="59" name="Picture Placeholder 58" title="Buildings">
             <a:extLst>
               <a:ext uri="{FF2B5EF4-FFF2-40B4-BE49-F238E27FC236}">
-                <a16:creationId xmlns:a16="http://schemas.microsoft.com/office/drawing/2014/main" id="{3FCCC668-2247-4814-9CC5-9C5D4B447AA3}"/>
+                <a16:creationId xmlns:a16="http://schemas.microsoft.com/office/drawing/2014/main" xmlns="" id="{3FCCC668-2247-4814-9CC5-9C5D4B447AA3}"/>
               </a:ext>
             </a:extLst>
           </p:cNvPr>
@@ -16291,7 +16319,7 @@
           <p:cNvPr id="35" name="Footer Placeholder 34">
             <a:extLst>
               <a:ext uri="{FF2B5EF4-FFF2-40B4-BE49-F238E27FC236}">
-                <a16:creationId xmlns:a16="http://schemas.microsoft.com/office/drawing/2014/main" id="{6390A22B-EC07-E942-A46F-F36FDD7FDB9D}"/>
+                <a16:creationId xmlns:a16="http://schemas.microsoft.com/office/drawing/2014/main" xmlns="" id="{6390A22B-EC07-E942-A46F-F36FDD7FDB9D}"/>
               </a:ext>
             </a:extLst>
           </p:cNvPr>
@@ -16319,7 +16347,7 @@
           <p:cNvPr id="10" name="Slide Number Placeholder 9">
             <a:extLst>
               <a:ext uri="{FF2B5EF4-FFF2-40B4-BE49-F238E27FC236}">
-                <a16:creationId xmlns:a16="http://schemas.microsoft.com/office/drawing/2014/main" id="{A267D224-5586-43DC-82CA-8605E158298B}"/>
+                <a16:creationId xmlns:a16="http://schemas.microsoft.com/office/drawing/2014/main" xmlns="" id="{A267D224-5586-43DC-82CA-8605E158298B}"/>
               </a:ext>
             </a:extLst>
           </p:cNvPr>
@@ -16379,7 +16407,7 @@
           <p:cNvPr id="41" name="Title 3">
             <a:extLst>
               <a:ext uri="{FF2B5EF4-FFF2-40B4-BE49-F238E27FC236}">
-                <a16:creationId xmlns:a16="http://schemas.microsoft.com/office/drawing/2014/main" id="{1ABD613F-111C-41D6-9F8E-8B2C42A5E047}"/>
+                <a16:creationId xmlns:a16="http://schemas.microsoft.com/office/drawing/2014/main" xmlns="" id="{1ABD613F-111C-41D6-9F8E-8B2C42A5E047}"/>
               </a:ext>
             </a:extLst>
           </p:cNvPr>
@@ -16408,7 +16436,7 @@
           <p:cNvPr id="43" name="Text Placeholder 8">
             <a:extLst>
               <a:ext uri="{FF2B5EF4-FFF2-40B4-BE49-F238E27FC236}">
-                <a16:creationId xmlns:a16="http://schemas.microsoft.com/office/drawing/2014/main" id="{EA7C22CB-613A-4C0B-90B3-4A405F793D3C}"/>
+                <a16:creationId xmlns:a16="http://schemas.microsoft.com/office/drawing/2014/main" xmlns="" id="{EA7C22CB-613A-4C0B-90B3-4A405F793D3C}"/>
               </a:ext>
             </a:extLst>
           </p:cNvPr>
@@ -16437,7 +16465,7 @@
           <p:cNvPr id="42" name="Content Placeholder 6">
             <a:extLst>
               <a:ext uri="{FF2B5EF4-FFF2-40B4-BE49-F238E27FC236}">
-                <a16:creationId xmlns:a16="http://schemas.microsoft.com/office/drawing/2014/main" id="{55EACD59-7C51-4810-94C6-BCB4D12346DC}"/>
+                <a16:creationId xmlns:a16="http://schemas.microsoft.com/office/drawing/2014/main" xmlns="" id="{55EACD59-7C51-4810-94C6-BCB4D12346DC}"/>
               </a:ext>
             </a:extLst>
           </p:cNvPr>
@@ -16528,7 +16556,7 @@
           <p:cNvPr id="59" name="Picture Placeholder 58" title="Buildings">
             <a:extLst>
               <a:ext uri="{FF2B5EF4-FFF2-40B4-BE49-F238E27FC236}">
-                <a16:creationId xmlns:a16="http://schemas.microsoft.com/office/drawing/2014/main" id="{3FCCC668-2247-4814-9CC5-9C5D4B447AA3}"/>
+                <a16:creationId xmlns:a16="http://schemas.microsoft.com/office/drawing/2014/main" xmlns="" id="{3FCCC668-2247-4814-9CC5-9C5D4B447AA3}"/>
               </a:ext>
             </a:extLst>
           </p:cNvPr>
@@ -16553,7 +16581,7 @@
           <p:cNvPr id="35" name="Footer Placeholder 34">
             <a:extLst>
               <a:ext uri="{FF2B5EF4-FFF2-40B4-BE49-F238E27FC236}">
-                <a16:creationId xmlns:a16="http://schemas.microsoft.com/office/drawing/2014/main" id="{6390A22B-EC07-E942-A46F-F36FDD7FDB9D}"/>
+                <a16:creationId xmlns:a16="http://schemas.microsoft.com/office/drawing/2014/main" xmlns="" id="{6390A22B-EC07-E942-A46F-F36FDD7FDB9D}"/>
               </a:ext>
             </a:extLst>
           </p:cNvPr>
@@ -16581,7 +16609,7 @@
           <p:cNvPr id="10" name="Slide Number Placeholder 9">
             <a:extLst>
               <a:ext uri="{FF2B5EF4-FFF2-40B4-BE49-F238E27FC236}">
-                <a16:creationId xmlns:a16="http://schemas.microsoft.com/office/drawing/2014/main" id="{A267D224-5586-43DC-82CA-8605E158298B}"/>
+                <a16:creationId xmlns:a16="http://schemas.microsoft.com/office/drawing/2014/main" xmlns="" id="{A267D224-5586-43DC-82CA-8605E158298B}"/>
               </a:ext>
             </a:extLst>
           </p:cNvPr>
@@ -16641,7 +16669,7 @@
           <p:cNvPr id="14" name="Title 13">
             <a:extLst>
               <a:ext uri="{FF2B5EF4-FFF2-40B4-BE49-F238E27FC236}">
-                <a16:creationId xmlns:a16="http://schemas.microsoft.com/office/drawing/2014/main" id="{E3E5EE03-FBF6-46F5-8085-716AC6CE1C8C}"/>
+                <a16:creationId xmlns:a16="http://schemas.microsoft.com/office/drawing/2014/main" xmlns="" id="{E3E5EE03-FBF6-46F5-8085-716AC6CE1C8C}"/>
               </a:ext>
             </a:extLst>
           </p:cNvPr>
@@ -16670,7 +16698,7 @@
           <p:cNvPr id="5" name="Content Placeholder 4">
             <a:extLst>
               <a:ext uri="{FF2B5EF4-FFF2-40B4-BE49-F238E27FC236}">
-                <a16:creationId xmlns:a16="http://schemas.microsoft.com/office/drawing/2014/main" id="{8DCB476A-C85E-47AA-BE94-366852DECD45}"/>
+                <a16:creationId xmlns:a16="http://schemas.microsoft.com/office/drawing/2014/main" xmlns="" id="{8DCB476A-C85E-47AA-BE94-366852DECD45}"/>
               </a:ext>
             </a:extLst>
           </p:cNvPr>
@@ -16702,7 +16730,7 @@
           <p:cNvPr id="20" name="Footer Placeholder 4">
             <a:extLst>
               <a:ext uri="{FF2B5EF4-FFF2-40B4-BE49-F238E27FC236}">
-                <a16:creationId xmlns:a16="http://schemas.microsoft.com/office/drawing/2014/main" id="{391D3201-20F9-4DD7-B4EB-F41AF17CA428}"/>
+                <a16:creationId xmlns:a16="http://schemas.microsoft.com/office/drawing/2014/main" xmlns="" id="{391D3201-20F9-4DD7-B4EB-F41AF17CA428}"/>
               </a:ext>
             </a:extLst>
           </p:cNvPr>
@@ -16742,7 +16770,7 @@
           <p:cNvPr id="21" name="Slide Number Placeholder 5">
             <a:extLst>
               <a:ext uri="{FF2B5EF4-FFF2-40B4-BE49-F238E27FC236}">
-                <a16:creationId xmlns:a16="http://schemas.microsoft.com/office/drawing/2014/main" id="{C7C65DDB-24F2-44CF-AE02-F3A6C8B1858B}"/>
+                <a16:creationId xmlns:a16="http://schemas.microsoft.com/office/drawing/2014/main" xmlns="" id="{C7C65DDB-24F2-44CF-AE02-F3A6C8B1858B}"/>
               </a:ext>
             </a:extLst>
           </p:cNvPr>
@@ -16813,7 +16841,7 @@
           <p:cNvPr id="14" name="Title 13">
             <a:extLst>
               <a:ext uri="{FF2B5EF4-FFF2-40B4-BE49-F238E27FC236}">
-                <a16:creationId xmlns:a16="http://schemas.microsoft.com/office/drawing/2014/main" id="{E3E5EE03-FBF6-46F5-8085-716AC6CE1C8C}"/>
+                <a16:creationId xmlns:a16="http://schemas.microsoft.com/office/drawing/2014/main" xmlns="" id="{E3E5EE03-FBF6-46F5-8085-716AC6CE1C8C}"/>
               </a:ext>
             </a:extLst>
           </p:cNvPr>
@@ -16850,7 +16878,7 @@
           <p:cNvPr id="20" name="Footer Placeholder 4">
             <a:extLst>
               <a:ext uri="{FF2B5EF4-FFF2-40B4-BE49-F238E27FC236}">
-                <a16:creationId xmlns:a16="http://schemas.microsoft.com/office/drawing/2014/main" id="{391D3201-20F9-4DD7-B4EB-F41AF17CA428}"/>
+                <a16:creationId xmlns:a16="http://schemas.microsoft.com/office/drawing/2014/main" xmlns="" id="{391D3201-20F9-4DD7-B4EB-F41AF17CA428}"/>
               </a:ext>
             </a:extLst>
           </p:cNvPr>
@@ -16890,7 +16918,7 @@
           <p:cNvPr id="21" name="Slide Number Placeholder 5">
             <a:extLst>
               <a:ext uri="{FF2B5EF4-FFF2-40B4-BE49-F238E27FC236}">
-                <a16:creationId xmlns:a16="http://schemas.microsoft.com/office/drawing/2014/main" id="{C7C65DDB-24F2-44CF-AE02-F3A6C8B1858B}"/>
+                <a16:creationId xmlns:a16="http://schemas.microsoft.com/office/drawing/2014/main" xmlns="" id="{C7C65DDB-24F2-44CF-AE02-F3A6C8B1858B}"/>
               </a:ext>
             </a:extLst>
           </p:cNvPr>
@@ -16931,7 +16959,7 @@
           <p:cNvPr id="2" name="Picture 1">
             <a:extLst>
               <a:ext uri="{FF2B5EF4-FFF2-40B4-BE49-F238E27FC236}">
-                <a16:creationId xmlns:a16="http://schemas.microsoft.com/office/drawing/2014/main" id="{FC8BA288-4CC9-4836-A06F-F897B298C452}"/>
+                <a16:creationId xmlns:a16="http://schemas.microsoft.com/office/drawing/2014/main" xmlns="" id="{FC8BA288-4CC9-4836-A06F-F897B298C452}"/>
               </a:ext>
             </a:extLst>
           </p:cNvPr>
@@ -17012,7 +17040,7 @@
     </a:clrScheme>
     <a:fontScheme name="Calibri">
       <a:majorFont>
-        <a:latin typeface="Calibri" panose="020F0502020204030204"/>
+        <a:latin typeface="Calibri"/>
         <a:ea typeface=""/>
         <a:cs typeface=""/>
         <a:font script="Jpan" typeface="メイリオ"/>
@@ -17047,7 +17075,7 @@
         <a:font script="Geor" typeface="Sylfaen"/>
       </a:majorFont>
       <a:minorFont>
-        <a:latin typeface="Calibri" panose="020F0502020204030204"/>
+        <a:latin typeface="Calibri"/>
         <a:ea typeface=""/>
         <a:cs typeface=""/>
         <a:font script="Jpan" typeface="メイリオ"/>
@@ -17224,7 +17252,7 @@
   <a:extraClrSchemeLst/>
   <a:extLst>
     <a:ext uri="{05A4C25C-085E-4340-85A3-A5531E510DB2}">
-      <thm15:themeFamily xmlns:thm15="http://schemas.microsoft.com/office/thememl/2012/main" name="Light-03 Presentation Layout_CA - v6" id="{86C4C399-7276-42E5-9F38-CAD22380D144}" vid="{01DFD203-351D-4146-9D62-2E62169C7366}"/>
+      <thm15:themeFamily xmlns:thm15="http://schemas.microsoft.com/office/thememl/2012/main" xmlns="" name="Light-03 Presentation Layout_CA - v6" id="{86C4C399-7276-42E5-9F38-CAD22380D144}" vid="{01DFD203-351D-4146-9D62-2E62169C7366}"/>
     </a:ext>
   </a:extLst>
 </a:theme>
@@ -17273,7 +17301,7 @@
     </a:clrScheme>
     <a:fontScheme name="Office">
       <a:majorFont>
-        <a:latin typeface="Calibri Light" panose="020F0302020204030204"/>
+        <a:latin typeface="Calibri Light"/>
         <a:ea typeface=""/>
         <a:cs typeface=""/>
         <a:font script="Jpan" typeface="游ゴシック Light"/>
@@ -17325,7 +17353,7 @@
         <a:font script="Tfng" typeface="Ebrima"/>
       </a:majorFont>
       <a:minorFont>
-        <a:latin typeface="Calibri" panose="020F0502020204030204"/>
+        <a:latin typeface="Calibri"/>
         <a:ea typeface=""/>
         <a:cs typeface=""/>
         <a:font script="Jpan" typeface="游ゴシック"/>
@@ -17519,7 +17547,7 @@
   <a:extraClrSchemeLst/>
   <a:extLst>
     <a:ext uri="{05A4C25C-085E-4340-85A3-A5531E510DB2}">
-      <thm15:themeFamily xmlns:thm15="http://schemas.microsoft.com/office/thememl/2012/main" name="Office Theme" id="{62F939B6-93AF-4DB8-9C6B-D6C7DFDC589F}" vid="{4A3C46E8-61CC-4603-A589-7422A47A8E4A}"/>
+      <thm15:themeFamily xmlns:thm15="http://schemas.microsoft.com/office/thememl/2012/main" xmlns="" name="Office Theme" id="{62F939B6-93AF-4DB8-9C6B-D6C7DFDC589F}" vid="{4A3C46E8-61CC-4603-A589-7422A47A8E4A}"/>
     </a:ext>
   </a:extLst>
 </a:theme>
@@ -17568,7 +17596,7 @@
     </a:clrScheme>
     <a:fontScheme name="Office">
       <a:majorFont>
-        <a:latin typeface="Calibri Light" panose="020F0302020204030204"/>
+        <a:latin typeface="Calibri Light"/>
         <a:ea typeface=""/>
         <a:cs typeface=""/>
         <a:font script="Jpan" typeface="游ゴシック Light"/>
@@ -17620,7 +17648,7 @@
         <a:font script="Tfng" typeface="Ebrima"/>
       </a:majorFont>
       <a:minorFont>
-        <a:latin typeface="Calibri" panose="020F0502020204030204"/>
+        <a:latin typeface="Calibri"/>
         <a:ea typeface=""/>
         <a:cs typeface=""/>
         <a:font script="Jpan" typeface="游ゴシック"/>
@@ -17814,13 +17842,31 @@
   <a:extraClrSchemeLst/>
   <a:extLst>
     <a:ext uri="{05A4C25C-085E-4340-85A3-A5531E510DB2}">
-      <thm15:themeFamily xmlns:thm15="http://schemas.microsoft.com/office/thememl/2012/main" name="Office Theme" id="{62F939B6-93AF-4DB8-9C6B-D6C7DFDC589F}" vid="{4A3C46E8-61CC-4603-A589-7422A47A8E4A}"/>
+      <thm15:themeFamily xmlns:thm15="http://schemas.microsoft.com/office/thememl/2012/main" xmlns="" name="Office Theme" id="{62F939B6-93AF-4DB8-9C6B-D6C7DFDC589F}" vid="{4A3C46E8-61CC-4603-A589-7422A47A8E4A}"/>
     </a:ext>
   </a:extLst>
 </a:theme>
 </file>
 
 <file path=customXml/item1.xml><?xml version="1.0" encoding="utf-8"?>
+<?mso-contentType ?>
+<FormTemplates xmlns="http://schemas.microsoft.com/sharepoint/v3/contenttype/forms">
+  <Display>DocumentLibraryForm</Display>
+  <Edit>DocumentLibraryForm</Edit>
+  <New>DocumentLibraryForm</New>
+</FormTemplates>
+</file>
+
+<file path=customXml/item2.xml><?xml version="1.0" encoding="utf-8"?>
+<p:properties xmlns:p="http://schemas.microsoft.com/office/2006/metadata/properties" xmlns:xsi="http://www.w3.org/2001/XMLSchema-instance" xmlns:pc="http://schemas.microsoft.com/office/infopath/2007/PartnerControls">
+  <documentManagement>
+    <_ip_UnifiedCompliancePolicyUIAction xmlns="http://schemas.microsoft.com/sharepoint/v3" xsi:nil="true"/>
+    <_ip_UnifiedCompliancePolicyProperties xmlns="http://schemas.microsoft.com/sharepoint/v3" xsi:nil="true"/>
+  </documentManagement>
+</p:properties>
+</file>
+
+<file path=customXml/item3.xml><?xml version="1.0" encoding="utf-8"?>
 <ct:contentTypeSchema xmlns:ct="http://schemas.microsoft.com/office/2006/metadata/contentType" xmlns:ma="http://schemas.microsoft.com/office/2006/metadata/properties/metaAttributes" ct:_="" ma:_="" ma:contentTypeName="Document" ma:contentTypeID="0x010100DEEA25CC0A0AC24199CDC46C25B8B0BC" ma:contentTypeVersion="10" ma:contentTypeDescription="Create a new document." ma:contentTypeScope="" ma:versionID="e3b47856d4cf355c0dacb39e1084d14f">
   <xsd:schema xmlns:xsd="http://www.w3.org/2001/XMLSchema" xmlns:xs="http://www.w3.org/2001/XMLSchema" xmlns:p="http://schemas.microsoft.com/office/2006/metadata/properties" xmlns:ns1="http://schemas.microsoft.com/sharepoint/v3" xmlns:ns2="6dc4bcd6-49db-4c07-9060-8acfc67cef9f" xmlns:ns3="fb0879af-3eba-417a-a55a-ffe6dcd6ca77" targetNamespace="http://schemas.microsoft.com/office/2006/metadata/properties" ma:root="true" ma:fieldsID="a845a615265fdb1f7b12cc65ac20ecbd" ns1:_="" ns2:_="" ns3:_="">
     <xsd:import namespace="http://schemas.microsoft.com/sharepoint/v3"/>
@@ -18028,25 +18074,25 @@
 </ct:contentTypeSchema>
 </file>
 
-<file path=customXml/item2.xml><?xml version="1.0" encoding="utf-8"?>
-<p:properties xmlns:p="http://schemas.microsoft.com/office/2006/metadata/properties" xmlns:xsi="http://www.w3.org/2001/XMLSchema-instance" xmlns:pc="http://schemas.microsoft.com/office/infopath/2007/PartnerControls">
-  <documentManagement>
-    <_ip_UnifiedCompliancePolicyUIAction xmlns="http://schemas.microsoft.com/sharepoint/v3" xsi:nil="true"/>
-    <_ip_UnifiedCompliancePolicyProperties xmlns="http://schemas.microsoft.com/sharepoint/v3" xsi:nil="true"/>
-  </documentManagement>
-</p:properties>
+<file path=customXml/itemProps1.xml><?xml version="1.0" encoding="utf-8"?>
+<ds:datastoreItem xmlns:ds="http://schemas.openxmlformats.org/officeDocument/2006/customXml" ds:itemID="{61281370-DD09-428B-BACB-AAB35C76E724}">
+  <ds:schemaRefs>
+    <ds:schemaRef ds:uri="http://schemas.microsoft.com/sharepoint/v3/contenttype/forms"/>
+  </ds:schemaRefs>
+</ds:datastoreItem>
 </file>
 
-<file path=customXml/item3.xml><?xml version="1.0" encoding="utf-8"?>
-<?mso-contentType ?>
-<FormTemplates xmlns="http://schemas.microsoft.com/sharepoint/v3/contenttype/forms">
-  <Display>DocumentLibraryForm</Display>
-  <Edit>DocumentLibraryForm</Edit>
-  <New>DocumentLibraryForm</New>
-</FormTemplates>
+<file path=customXml/itemProps2.xml><?xml version="1.0" encoding="utf-8"?>
+<ds:datastoreItem xmlns:ds="http://schemas.openxmlformats.org/officeDocument/2006/customXml" ds:itemID="{B77E55BF-5475-4432-A4A6-B01AF7191577}">
+  <ds:schemaRefs>
+    <ds:schemaRef ds:uri="http://schemas.microsoft.com/office/2006/metadata/properties"/>
+    <ds:schemaRef ds:uri="http://schemas.microsoft.com/office/infopath/2007/PartnerControls"/>
+    <ds:schemaRef ds:uri="http://schemas.microsoft.com/sharepoint/v3"/>
+  </ds:schemaRefs>
+</ds:datastoreItem>
 </file>
 
-<file path=customXml/itemProps1.xml><?xml version="1.0" encoding="utf-8"?>
+<file path=customXml/itemProps3.xml><?xml version="1.0" encoding="utf-8"?>
 <ds:datastoreItem xmlns:ds="http://schemas.openxmlformats.org/officeDocument/2006/customXml" ds:itemID="{7B83720C-C116-4431-9124-78163A0E6D6A}">
   <ds:schemaRefs>
     <ds:schemaRef ds:uri="http://schemas.microsoft.com/office/2006/metadata/contentType"/>
@@ -18064,22 +18110,4 @@
     <ds:schemaRef ds:uri="http://schemas.microsoft.com/internal/obd"/>
   </ds:schemaRefs>
 </ds:datastoreItem>
-</file>
-
-<file path=customXml/itemProps2.xml><?xml version="1.0" encoding="utf-8"?>
-<ds:datastoreItem xmlns:ds="http://schemas.openxmlformats.org/officeDocument/2006/customXml" ds:itemID="{B77E55BF-5475-4432-A4A6-B01AF7191577}">
-  <ds:schemaRefs>
-    <ds:schemaRef ds:uri="http://schemas.microsoft.com/office/2006/metadata/properties"/>
-    <ds:schemaRef ds:uri="http://schemas.microsoft.com/office/infopath/2007/PartnerControls"/>
-    <ds:schemaRef ds:uri="http://schemas.microsoft.com/sharepoint/v3"/>
-  </ds:schemaRefs>
-</ds:datastoreItem>
-</file>
-
-<file path=customXml/itemProps3.xml><?xml version="1.0" encoding="utf-8"?>
-<ds:datastoreItem xmlns:ds="http://schemas.openxmlformats.org/officeDocument/2006/customXml" ds:itemID="{61281370-DD09-428B-BACB-AAB35C76E724}">
-  <ds:schemaRefs>
-    <ds:schemaRef ds:uri="http://schemas.microsoft.com/sharepoint/v3/contenttype/forms"/>
-  </ds:schemaRefs>
-</ds:datastoreItem>
 </file>